--- a/1mg_Homoepathy_ppt.pptx
+++ b/1mg_Homoepathy_ppt.pptx
@@ -5,7 +5,7 @@
     <p:sldMasterId id="2147483660" r:id="rId1"/>
   </p:sldMasterIdLst>
   <p:notesMasterIdLst>
-    <p:notesMasterId r:id="rId14"/>
+    <p:notesMasterId r:id="rId16"/>
   </p:notesMasterIdLst>
   <p:sldIdLst>
     <p:sldId id="256" r:id="rId2"/>
@@ -19,37 +19,34 @@
     <p:sldId id="269" r:id="rId10"/>
     <p:sldId id="270" r:id="rId11"/>
     <p:sldId id="271" r:id="rId12"/>
-    <p:sldId id="266" r:id="rId13"/>
+    <p:sldId id="272" r:id="rId13"/>
+    <p:sldId id="273" r:id="rId14"/>
+    <p:sldId id="266" r:id="rId15"/>
   </p:sldIdLst>
   <p:sldSz cx="18288000" cy="10287000"/>
   <p:notesSz cx="6858000" cy="9144000"/>
   <p:embeddedFontLst>
     <p:embeddedFont>
       <p:font typeface="Wingdings 3" panose="05040102010807070707" pitchFamily="18" charset="2"/>
-      <p:regular r:id="rId15"/>
+      <p:regular r:id="rId17"/>
     </p:embeddedFont>
     <p:embeddedFont>
-      <p:font typeface="Cocomat Pro Heavy" panose="020B0604020202020204" charset="0"/>
-      <p:regular r:id="rId16"/>
+      <p:font typeface="Cambria Math" panose="02040503050406030204" pitchFamily="18" charset="0"/>
+      <p:regular r:id="rId18"/>
+    </p:embeddedFont>
+    <p:embeddedFont>
+      <p:font typeface="Open Sans Light" panose="020B0604020202020204" charset="0"/>
+      <p:regular r:id="rId19"/>
     </p:embeddedFont>
     <p:embeddedFont>
       <p:font typeface="Calibri" panose="020F0502020204030204" pitchFamily="34" charset="0"/>
-      <p:regular r:id="rId17"/>
-      <p:bold r:id="rId18"/>
-      <p:italic r:id="rId19"/>
-      <p:boldItalic r:id="rId20"/>
+      <p:regular r:id="rId20"/>
+      <p:bold r:id="rId21"/>
+      <p:italic r:id="rId22"/>
+      <p:boldItalic r:id="rId23"/>
     </p:embeddedFont>
     <p:embeddedFont>
-      <p:font typeface="Elephant" panose="02020904090505020303" pitchFamily="18" charset="0"/>
-      <p:regular r:id="rId21"/>
-      <p:italic r:id="rId22"/>
-    </p:embeddedFont>
-    <p:embeddedFont>
-      <p:font typeface="Cambria Math" panose="02040503050406030204" pitchFamily="18" charset="0"/>
-      <p:regular r:id="rId23"/>
-    </p:embeddedFont>
-    <p:embeddedFont>
-      <p:font typeface="Imprint MT Shadow" panose="04020605060303030202" pitchFamily="82" charset="0"/>
+      <p:font typeface="Montserrat" panose="020B0604020202020204" charset="0"/>
       <p:regular r:id="rId24"/>
     </p:embeddedFont>
     <p:embeddedFont>
@@ -57,19 +54,24 @@
       <p:regular r:id="rId25"/>
     </p:embeddedFont>
     <p:embeddedFont>
-      <p:font typeface="Open Sans Light" panose="020B0604020202020204" charset="0"/>
+      <p:font typeface="Elephant" panose="02020904090505020303" pitchFamily="18" charset="0"/>
       <p:regular r:id="rId26"/>
+      <p:italic r:id="rId27"/>
+    </p:embeddedFont>
+    <p:embeddedFont>
+      <p:font typeface="Cocomat Pro Heavy" panose="020B0604020202020204" charset="0"/>
+      <p:regular r:id="rId28"/>
     </p:embeddedFont>
     <p:embeddedFont>
       <p:font typeface="Trebuchet MS" panose="020B0603020202020204" pitchFamily="34" charset="0"/>
-      <p:regular r:id="rId27"/>
-      <p:bold r:id="rId28"/>
-      <p:italic r:id="rId29"/>
-      <p:boldItalic r:id="rId30"/>
+      <p:regular r:id="rId29"/>
+      <p:bold r:id="rId30"/>
+      <p:italic r:id="rId31"/>
+      <p:boldItalic r:id="rId32"/>
     </p:embeddedFont>
     <p:embeddedFont>
-      <p:font typeface="Montserrat" panose="020B0604020202020204" charset="0"/>
-      <p:regular r:id="rId31"/>
+      <p:font typeface="Imprint MT Shadow" panose="04020605060303030202" pitchFamily="82" charset="0"/>
+      <p:regular r:id="rId33"/>
     </p:embeddedFont>
   </p:embeddedFontLst>
   <p:defaultTextStyle>
@@ -1488,8 +1490,8 @@
           <c:layoutTarget val="inner"/>
           <c:xMode val="edge"/>
           <c:yMode val="edge"/>
-          <c:x val="0.51146606674165718"/>
-          <c:y val="6.7567567567567571E-2"/>
+          <c:x val="0.51260759357135155"/>
+          <c:y val="9.9726146364057439E-2"/>
           <c:w val="0.37320897387826524"/>
           <c:h val="0.84728523799389943"/>
         </c:manualLayout>
@@ -2018,7 +2020,9 @@
               </c:spPr>
             </c:leaderLines>
             <c:extLst xmlns:c16r2="http://schemas.microsoft.com/office/drawing/2015/06/chart">
-              <c:ext xmlns:c15="http://schemas.microsoft.com/office/drawing/2012/chart" uri="{CE6537A1-D6FC-4f65-9D91-7224C49458BB}"/>
+              <c:ext xmlns:c15="http://schemas.microsoft.com/office/drawing/2012/chart" uri="{CE6537A1-D6FC-4f65-9D91-7224C49458BB}">
+                <c15:layout/>
+              </c:ext>
             </c:extLst>
           </c:dLbls>
           <c:cat>
@@ -2199,7 +2203,7 @@
           <a:lstStyle/>
           <a:p>
             <a:pPr>
-              <a:defRPr sz="2800" b="1" i="0" u="none" strike="noStrike" kern="1200" baseline="0">
+              <a:defRPr sz="2400" b="1" i="0" u="none" strike="noStrike" kern="1200" baseline="0">
                 <a:solidFill>
                   <a:schemeClr val="tx1">
                     <a:lumMod val="65000"/>
@@ -2208,7 +2212,7 @@
                 </a:solidFill>
                 <a:latin typeface="Cambria Math" panose="02040503050406030204" pitchFamily="18" charset="0"/>
                 <a:ea typeface="Cambria Math" panose="02040503050406030204" pitchFamily="18" charset="0"/>
-                <a:cs typeface="+mn-cs"/>
+                <a:cs typeface="Arial" panose="020B0604020202020204" pitchFamily="34" charset="0"/>
               </a:defRPr>
             </a:pPr>
             <a:endParaRPr lang="en-US"/>
@@ -2219,8 +2223,8 @@
         <c:manualLayout>
           <c:xMode val="edge"/>
           <c:yMode val="edge"/>
-          <c:x val="9.9206349206349201E-4"/>
-          <c:y val="0.14993651131446406"/>
+          <c:x val="1.2407597166792506E-2"/>
+          <c:y val="8.3760035510267103E-2"/>
           <c:w val="0.39151738845144357"/>
           <c:h val="0.85006348868553594"/>
         </c:manualLayout>
@@ -2238,7 +2242,7 @@
         <a:lstStyle/>
         <a:p>
           <a:pPr>
-            <a:defRPr sz="2800" b="1" i="0" u="none" strike="noStrike" kern="1200" baseline="0">
+            <a:defRPr sz="2400" b="1" i="0" u="none" strike="noStrike" kern="1200" baseline="0">
               <a:solidFill>
                 <a:schemeClr val="tx1">
                   <a:lumMod val="65000"/>
@@ -2247,7 +2251,7 @@
               </a:solidFill>
               <a:latin typeface="Cambria Math" panose="02040503050406030204" pitchFamily="18" charset="0"/>
               <a:ea typeface="Cambria Math" panose="02040503050406030204" pitchFamily="18" charset="0"/>
-              <a:cs typeface="+mn-cs"/>
+              <a:cs typeface="Arial" panose="020B0604020202020204" pitchFamily="34" charset="0"/>
             </a:defRPr>
           </a:pPr>
           <a:endParaRPr lang="en-US"/>
@@ -2558,11 +2562,11 @@
           <c:showBubbleSize val="0"/>
         </c:dLbls>
         <c:gapWidth val="150"/>
-        <c:axId val="-2074505008"/>
-        <c:axId val="-2074511536"/>
+        <c:axId val="-1363715712"/>
+        <c:axId val="-1363720064"/>
       </c:barChart>
       <c:catAx>
-        <c:axId val="-2074505008"/>
+        <c:axId val="-1363715712"/>
         <c:scaling>
           <c:orientation val="minMax"/>
         </c:scaling>
@@ -2605,7 +2609,7 @@
             <a:endParaRPr lang="en-US"/>
           </a:p>
         </c:txPr>
-        <c:crossAx val="-2074511536"/>
+        <c:crossAx val="-1363720064"/>
         <c:crosses val="autoZero"/>
         <c:auto val="1"/>
         <c:lblAlgn val="ctr"/>
@@ -2613,7 +2617,7 @@
         <c:noMultiLvlLbl val="0"/>
       </c:catAx>
       <c:valAx>
-        <c:axId val="-2074511536"/>
+        <c:axId val="-1363720064"/>
         <c:scaling>
           <c:orientation val="minMax"/>
         </c:scaling>
@@ -2664,7 +2668,7 @@
             <a:endParaRPr lang="en-US"/>
           </a:p>
         </c:txPr>
-        <c:crossAx val="-2074505008"/>
+        <c:crossAx val="-1363715712"/>
         <c:crosses val="autoZero"/>
         <c:crossBetween val="between"/>
       </c:valAx>
@@ -3026,11 +3030,11 @@
           <c:showBubbleSize val="0"/>
         </c:dLbls>
         <c:gapWidth val="182"/>
-        <c:axId val="-2074510448"/>
-        <c:axId val="-2074509904"/>
+        <c:axId val="-1363729856"/>
+        <c:axId val="-1363715168"/>
       </c:barChart>
       <c:catAx>
-        <c:axId val="-2074510448"/>
+        <c:axId val="-1363729856"/>
         <c:scaling>
           <c:orientation val="minMax"/>
         </c:scaling>
@@ -3073,7 +3077,7 @@
             <a:endParaRPr lang="en-US"/>
           </a:p>
         </c:txPr>
-        <c:crossAx val="-2074509904"/>
+        <c:crossAx val="-1363715168"/>
         <c:crosses val="autoZero"/>
         <c:auto val="1"/>
         <c:lblAlgn val="ctr"/>
@@ -3081,7 +3085,7 @@
         <c:noMultiLvlLbl val="0"/>
       </c:catAx>
       <c:valAx>
-        <c:axId val="-2074509904"/>
+        <c:axId val="-1363715168"/>
         <c:scaling>
           <c:orientation val="minMax"/>
         </c:scaling>
@@ -3117,14 +3121,14 @@
           <a:lstStyle/>
           <a:p>
             <a:pPr>
-              <a:defRPr sz="2400" b="0" i="0" u="none" strike="noStrike" kern="1200" baseline="0">
+              <a:defRPr sz="2000" b="0" i="0" u="none" strike="noStrike" kern="1200" baseline="0">
                 <a:solidFill>
                   <a:schemeClr val="tx1">
                     <a:lumMod val="65000"/>
                     <a:lumOff val="35000"/>
                   </a:schemeClr>
                 </a:solidFill>
-                <a:latin typeface="+mn-lt"/>
+                <a:latin typeface="Arial Black" panose="020B0A04020102020204" pitchFamily="34" charset="0"/>
                 <a:ea typeface="+mn-ea"/>
                 <a:cs typeface="+mn-cs"/>
               </a:defRPr>
@@ -3132,7 +3136,7 @@
             <a:endParaRPr lang="en-US"/>
           </a:p>
         </c:txPr>
-        <c:crossAx val="-2074510448"/>
+        <c:crossAx val="-1363729856"/>
         <c:crosses val="autoZero"/>
         <c:crossBetween val="between"/>
       </c:valAx>
@@ -3438,11 +3442,11 @@
           <c:showBubbleSize val="0"/>
         </c:dLbls>
         <c:gapWidth val="150"/>
-        <c:axId val="-2074507184"/>
-        <c:axId val="-2074506640"/>
+        <c:axId val="-1363716256"/>
+        <c:axId val="-1363724416"/>
       </c:barChart>
       <c:catAx>
-        <c:axId val="-2074507184"/>
+        <c:axId val="-1363716256"/>
         <c:scaling>
           <c:orientation val="minMax"/>
         </c:scaling>
@@ -3485,7 +3489,7 @@
             <a:endParaRPr lang="en-US"/>
           </a:p>
         </c:txPr>
-        <c:crossAx val="-2074506640"/>
+        <c:crossAx val="-1363724416"/>
         <c:crosses val="autoZero"/>
         <c:auto val="1"/>
         <c:lblAlgn val="ctr"/>
@@ -3493,7 +3497,7 @@
         <c:noMultiLvlLbl val="0"/>
       </c:catAx>
       <c:valAx>
-        <c:axId val="-2074506640"/>
+        <c:axId val="-1363724416"/>
         <c:scaling>
           <c:orientation val="minMax"/>
         </c:scaling>
@@ -3530,7 +3534,7 @@
             <a:endParaRPr lang="en-US"/>
           </a:p>
         </c:txPr>
-        <c:crossAx val="-2074507184"/>
+        <c:crossAx val="-1363716256"/>
         <c:crosses val="autoZero"/>
         <c:crossBetween val="between"/>
       </c:valAx>
@@ -4354,11 +4358,11 @@
           <c:showBubbleSize val="0"/>
         </c:dLbls>
         <c:gapWidth val="219"/>
-        <c:axId val="-2074505552"/>
-        <c:axId val="-154215600"/>
+        <c:axId val="-1363720608"/>
+        <c:axId val="-1363726048"/>
       </c:barChart>
       <c:catAx>
-        <c:axId val="-2074505552"/>
+        <c:axId val="-1363720608"/>
         <c:scaling>
           <c:orientation val="minMax"/>
         </c:scaling>
@@ -4402,7 +4406,7 @@
             <a:endParaRPr lang="en-US"/>
           </a:p>
         </c:txPr>
-        <c:crossAx val="-154215600"/>
+        <c:crossAx val="-1363726048"/>
         <c:crosses val="autoZero"/>
         <c:auto val="1"/>
         <c:lblAlgn val="ctr"/>
@@ -4410,7 +4414,7 @@
         <c:noMultiLvlLbl val="0"/>
       </c:catAx>
       <c:valAx>
-        <c:axId val="-154215600"/>
+        <c:axId val="-1363726048"/>
         <c:scaling>
           <c:orientation val="minMax"/>
         </c:scaling>
@@ -4446,14 +4450,14 @@
           <a:lstStyle/>
           <a:p>
             <a:pPr>
-              <a:defRPr sz="900" b="0" i="0" u="none" strike="noStrike" kern="1200" baseline="0">
+              <a:defRPr sz="1400" b="1" i="0" u="none" strike="noStrike" kern="1200" baseline="0">
                 <a:solidFill>
                   <a:schemeClr val="tx1">
                     <a:lumMod val="65000"/>
                     <a:lumOff val="35000"/>
                   </a:schemeClr>
                 </a:solidFill>
-                <a:latin typeface="+mn-lt"/>
+                <a:latin typeface="Arial Black" panose="020B0A04020102020204" pitchFamily="34" charset="0"/>
                 <a:ea typeface="+mn-ea"/>
                 <a:cs typeface="+mn-cs"/>
               </a:defRPr>
@@ -4461,7 +4465,7 @@
             <a:endParaRPr lang="en-US"/>
           </a:p>
         </c:txPr>
-        <c:crossAx val="-2074505552"/>
+        <c:crossAx val="-1363720608"/>
         <c:crosses val="autoZero"/>
         <c:crossBetween val="between"/>
       </c:valAx>
@@ -4498,16 +4502,16 @@
         <a:lstStyle/>
         <a:p>
           <a:pPr>
-            <a:defRPr sz="1400" b="1" i="0" u="none" strike="noStrike" kern="1200" baseline="0">
+            <a:defRPr sz="1800" b="1" i="0" u="none" strike="noStrike" kern="1200" baseline="0">
               <a:solidFill>
                 <a:schemeClr val="tx1">
                   <a:lumMod val="65000"/>
                   <a:lumOff val="35000"/>
                 </a:schemeClr>
               </a:solidFill>
-              <a:latin typeface="+mn-lt"/>
+              <a:latin typeface="Arial" panose="020B0604020202020204" pitchFamily="34" charset="0"/>
               <a:ea typeface="+mn-ea"/>
-              <a:cs typeface="+mn-cs"/>
+              <a:cs typeface="Arial" panose="020B0604020202020204" pitchFamily="34" charset="0"/>
             </a:defRPr>
           </a:pPr>
           <a:endParaRPr lang="en-US"/>
@@ -4552,6 +4556,484 @@
         <c14:dropZoneCategories val="1"/>
         <c14:dropZoneData val="1"/>
         <c14:dropZoneSeries val="1"/>
+      </c14:pivotOptions>
+    </c:ext>
+  </c:extLst>
+</c:chartSpace>
+</file>
+
+<file path=ppt/charts/chart6.xml><?xml version="1.0" encoding="utf-8"?>
+<c:chartSpace xmlns:c="http://schemas.openxmlformats.org/drawingml/2006/chart" xmlns:a="http://schemas.openxmlformats.org/drawingml/2006/main" xmlns:r="http://schemas.openxmlformats.org/officeDocument/2006/relationships">
+  <c:date1904 val="0"/>
+  <c:lang val="en-US"/>
+  <c:roundedCorners val="0"/>
+  <mc:AlternateContent xmlns:mc="http://schemas.openxmlformats.org/markup-compatibility/2006">
+    <mc:Choice xmlns:c14="http://schemas.microsoft.com/office/drawing/2007/8/2/chart" Requires="c14">
+      <c14:style val="102"/>
+    </mc:Choice>
+    <mc:Fallback>
+      <c:style val="2"/>
+    </mc:Fallback>
+  </mc:AlternateContent>
+  <c:pivotSource>
+    <c:name>[group project (1).xlsx]Sheet5!PivotTable4</c:name>
+    <c:fmtId val="-1"/>
+  </c:pivotSource>
+  <c:chart>
+    <c:autoTitleDeleted val="1"/>
+    <c:pivotFmts>
+      <c:pivotFmt>
+        <c:idx val="0"/>
+        <c:spPr>
+          <a:solidFill>
+            <a:schemeClr val="tx2"/>
+          </a:solidFill>
+          <a:ln w="9525" cap="flat" cmpd="sng" algn="ctr">
+            <a:noFill/>
+            <a:round/>
+          </a:ln>
+          <a:effectLst/>
+        </c:spPr>
+        <c:marker>
+          <c:symbol val="none"/>
+        </c:marker>
+      </c:pivotFmt>
+      <c:pivotFmt>
+        <c:idx val="1"/>
+        <c:spPr>
+          <a:solidFill>
+            <a:schemeClr val="tx2"/>
+          </a:solidFill>
+          <a:ln w="9525" cap="flat" cmpd="sng" algn="ctr">
+            <a:noFill/>
+            <a:round/>
+          </a:ln>
+          <a:effectLst/>
+        </c:spPr>
+        <c:marker>
+          <c:symbol val="none"/>
+        </c:marker>
+      </c:pivotFmt>
+      <c:pivotFmt>
+        <c:idx val="2"/>
+        <c:spPr>
+          <a:solidFill>
+            <a:schemeClr val="tx2"/>
+          </a:solidFill>
+          <a:ln w="9525" cap="flat" cmpd="sng" algn="ctr">
+            <a:noFill/>
+            <a:round/>
+          </a:ln>
+          <a:effectLst/>
+        </c:spPr>
+        <c:marker>
+          <c:symbol val="none"/>
+        </c:marker>
+      </c:pivotFmt>
+      <c:pivotFmt>
+        <c:idx val="3"/>
+        <c:spPr>
+          <a:solidFill>
+            <a:schemeClr val="tx2"/>
+          </a:solidFill>
+          <a:ln w="9525" cap="flat" cmpd="sng" algn="ctr">
+            <a:noFill/>
+            <a:round/>
+          </a:ln>
+          <a:effectLst/>
+        </c:spPr>
+        <c:marker>
+          <c:symbol val="none"/>
+        </c:marker>
+      </c:pivotFmt>
+      <c:pivotFmt>
+        <c:idx val="4"/>
+        <c:spPr>
+          <a:solidFill>
+            <a:schemeClr val="tx2"/>
+          </a:solidFill>
+          <a:ln w="9525" cap="flat" cmpd="sng" algn="ctr">
+            <a:noFill/>
+            <a:round/>
+          </a:ln>
+          <a:effectLst/>
+        </c:spPr>
+        <c:marker>
+          <c:symbol val="none"/>
+        </c:marker>
+      </c:pivotFmt>
+    </c:pivotFmts>
+    <c:plotArea>
+      <c:layout>
+        <c:manualLayout>
+          <c:layoutTarget val="inner"/>
+          <c:xMode val="edge"/>
+          <c:yMode val="edge"/>
+          <c:x val="3.6901046667946996E-2"/>
+          <c:y val="1.3461143444026019E-2"/>
+          <c:w val="0.83432348286566649"/>
+          <c:h val="0.58906561679790037"/>
+        </c:manualLayout>
+      </c:layout>
+      <c:barChart>
+        <c:barDir val="col"/>
+        <c:grouping val="clustered"/>
+        <c:varyColors val="0"/>
+        <c:ser>
+          <c:idx val="0"/>
+          <c:order val="0"/>
+          <c:tx>
+            <c:strRef>
+              <c:f>Sheet5!$I$1</c:f>
+              <c:strCache>
+                <c:ptCount val="1"/>
+                <c:pt idx="0">
+                  <c:v>Total</c:v>
+                </c:pt>
+              </c:strCache>
+            </c:strRef>
+          </c:tx>
+          <c:spPr>
+            <a:solidFill>
+              <a:schemeClr val="accent2">
+                <a:lumMod val="75000"/>
+                <a:alpha val="85000"/>
+              </a:schemeClr>
+            </a:solidFill>
+            <a:ln w="9525" cap="flat" cmpd="sng" algn="ctr">
+              <a:solidFill>
+                <a:schemeClr val="lt1">
+                  <a:alpha val="50000"/>
+                </a:schemeClr>
+              </a:solidFill>
+              <a:round/>
+            </a:ln>
+            <a:effectLst/>
+          </c:spPr>
+          <c:invertIfNegative val="0"/>
+          <c:dLbls>
+            <c:spPr>
+              <a:noFill/>
+              <a:ln>
+                <a:noFill/>
+              </a:ln>
+              <a:effectLst/>
+            </c:spPr>
+            <c:txPr>
+              <a:bodyPr rot="0" spcFirstLastPara="1" vertOverflow="ellipsis" vert="horz" wrap="square" lIns="38100" tIns="19050" rIns="38100" bIns="19050" anchor="ctr" anchorCtr="1">
+                <a:spAutoFit/>
+              </a:bodyPr>
+              <a:lstStyle/>
+              <a:p>
+                <a:pPr>
+                  <a:defRPr sz="1197" b="1" i="0" u="none" strike="noStrike" kern="1200" baseline="0">
+                    <a:solidFill>
+                      <a:schemeClr val="lt1"/>
+                    </a:solidFill>
+                    <a:latin typeface="+mn-lt"/>
+                    <a:ea typeface="+mn-ea"/>
+                    <a:cs typeface="+mn-cs"/>
+                  </a:defRPr>
+                </a:pPr>
+                <a:endParaRPr lang="en-US"/>
+              </a:p>
+            </c:txPr>
+            <c:dLblPos val="inEnd"/>
+            <c:showLegendKey val="0"/>
+            <c:showVal val="1"/>
+            <c:showCatName val="0"/>
+            <c:showSerName val="0"/>
+            <c:showPercent val="0"/>
+            <c:showBubbleSize val="0"/>
+            <c:showLeaderLines val="0"/>
+            <c:extLst>
+              <c:ext xmlns:c15="http://schemas.microsoft.com/office/drawing/2012/chart" uri="{CE6537A1-D6FC-4f65-9D91-7224C49458BB}">
+                <c15:layout/>
+                <c15:showLeaderLines val="1"/>
+                <c15:leaderLines>
+                  <c:spPr>
+                    <a:ln w="9525">
+                      <a:solidFill>
+                        <a:schemeClr val="dk1">
+                          <a:lumMod val="50000"/>
+                          <a:lumOff val="50000"/>
+                        </a:schemeClr>
+                      </a:solidFill>
+                    </a:ln>
+                    <a:effectLst/>
+                  </c:spPr>
+                </c15:leaderLines>
+              </c:ext>
+            </c:extLst>
+          </c:dLbls>
+          <c:cat>
+            <c:strRef>
+              <c:f>Sheet5!$H$2:$H$15</c:f>
+              <c:strCache>
+                <c:ptCount val="13"/>
+                <c:pt idx="0">
+                  <c:v>blood</c:v>
+                </c:pt>
+                <c:pt idx="1">
+                  <c:v>bone</c:v>
+                </c:pt>
+                <c:pt idx="2">
+                  <c:v>digestion</c:v>
+                </c:pt>
+                <c:pt idx="3">
+                  <c:v>eye</c:v>
+                </c:pt>
+                <c:pt idx="4">
+                  <c:v>hair</c:v>
+                </c:pt>
+                <c:pt idx="5">
+                  <c:v>heart</c:v>
+                </c:pt>
+                <c:pt idx="6">
+                  <c:v>joints</c:v>
+                </c:pt>
+                <c:pt idx="7">
+                  <c:v>mental health</c:v>
+                </c:pt>
+                <c:pt idx="8">
+                  <c:v>other</c:v>
+                </c:pt>
+                <c:pt idx="9">
+                  <c:v>respiration</c:v>
+                </c:pt>
+                <c:pt idx="10">
+                  <c:v>respiratory</c:v>
+                </c:pt>
+                <c:pt idx="11">
+                  <c:v>sexual</c:v>
+                </c:pt>
+                <c:pt idx="12">
+                  <c:v>skin</c:v>
+                </c:pt>
+              </c:strCache>
+            </c:strRef>
+          </c:cat>
+          <c:val>
+            <c:numRef>
+              <c:f>Sheet5!$I$2:$I$15</c:f>
+              <c:numCache>
+                <c:formatCode>0</c:formatCode>
+                <c:ptCount val="13"/>
+                <c:pt idx="0">
+                  <c:v>215.55555555555554</c:v>
+                </c:pt>
+                <c:pt idx="1">
+                  <c:v>253.17500000000001</c:v>
+                </c:pt>
+                <c:pt idx="2">
+                  <c:v>201.7123287671233</c:v>
+                </c:pt>
+                <c:pt idx="3">
+                  <c:v>196.45</c:v>
+                </c:pt>
+                <c:pt idx="4">
+                  <c:v>228.58333333333334</c:v>
+                </c:pt>
+                <c:pt idx="5">
+                  <c:v>201.43478260869566</c:v>
+                </c:pt>
+                <c:pt idx="6">
+                  <c:v>160.75</c:v>
+                </c:pt>
+                <c:pt idx="7">
+                  <c:v>224.58333333333334</c:v>
+                </c:pt>
+                <c:pt idx="8">
+                  <c:v>235.70588235294119</c:v>
+                </c:pt>
+                <c:pt idx="9">
+                  <c:v>206.53125</c:v>
+                </c:pt>
+                <c:pt idx="10">
+                  <c:v>254.08333333333334</c:v>
+                </c:pt>
+                <c:pt idx="11">
+                  <c:v>186.25</c:v>
+                </c:pt>
+                <c:pt idx="12">
+                  <c:v>169.92727272727274</c:v>
+                </c:pt>
+              </c:numCache>
+            </c:numRef>
+          </c:val>
+          <c:extLst xmlns:c16r2="http://schemas.microsoft.com/office/drawing/2015/06/chart">
+            <c:ext xmlns:c16="http://schemas.microsoft.com/office/drawing/2014/chart" uri="{C3380CC4-5D6E-409C-BE32-E72D297353CC}">
+              <c16:uniqueId val="{00000000-0B52-4A58-82F5-A142B0064055}"/>
+            </c:ext>
+          </c:extLst>
+        </c:ser>
+        <c:dLbls>
+          <c:dLblPos val="inEnd"/>
+          <c:showLegendKey val="0"/>
+          <c:showVal val="1"/>
+          <c:showCatName val="0"/>
+          <c:showSerName val="0"/>
+          <c:showPercent val="0"/>
+          <c:showBubbleSize val="0"/>
+        </c:dLbls>
+        <c:gapWidth val="65"/>
+        <c:axId val="-1363718976"/>
+        <c:axId val="-1363714624"/>
+      </c:barChart>
+      <c:catAx>
+        <c:axId val="-1363718976"/>
+        <c:scaling>
+          <c:orientation val="minMax"/>
+        </c:scaling>
+        <c:delete val="0"/>
+        <c:axPos val="b"/>
+        <c:numFmt formatCode="General" sourceLinked="1"/>
+        <c:majorTickMark val="none"/>
+        <c:minorTickMark val="none"/>
+        <c:tickLblPos val="nextTo"/>
+        <c:spPr>
+          <a:noFill/>
+          <a:ln w="19050" cap="flat" cmpd="sng" algn="ctr">
+            <a:solidFill>
+              <a:schemeClr val="dk1">
+                <a:lumMod val="75000"/>
+                <a:lumOff val="25000"/>
+              </a:schemeClr>
+            </a:solidFill>
+            <a:round/>
+          </a:ln>
+          <a:effectLst/>
+        </c:spPr>
+        <c:txPr>
+          <a:bodyPr rot="-5400000" spcFirstLastPara="1" vertOverflow="ellipsis" wrap="square" anchor="ctr" anchorCtr="1"/>
+          <a:lstStyle/>
+          <a:p>
+            <a:pPr>
+              <a:defRPr sz="1200" b="1" i="0" u="none" strike="noStrike" kern="1200" cap="all" baseline="0">
+                <a:solidFill>
+                  <a:schemeClr val="dk1">
+                    <a:lumMod val="75000"/>
+                    <a:lumOff val="25000"/>
+                  </a:schemeClr>
+                </a:solidFill>
+                <a:latin typeface="Arial" panose="020B0604020202020204" pitchFamily="34" charset="0"/>
+                <a:ea typeface="+mn-ea"/>
+                <a:cs typeface="Arial" panose="020B0604020202020204" pitchFamily="34" charset="0"/>
+              </a:defRPr>
+            </a:pPr>
+            <a:endParaRPr lang="en-US"/>
+          </a:p>
+        </c:txPr>
+        <c:crossAx val="-1363714624"/>
+        <c:crosses val="autoZero"/>
+        <c:auto val="1"/>
+        <c:lblAlgn val="ctr"/>
+        <c:lblOffset val="100"/>
+        <c:noMultiLvlLbl val="0"/>
+      </c:catAx>
+      <c:valAx>
+        <c:axId val="-1363714624"/>
+        <c:scaling>
+          <c:orientation val="minMax"/>
+        </c:scaling>
+        <c:delete val="1"/>
+        <c:axPos val="l"/>
+        <c:majorGridlines>
+          <c:spPr>
+            <a:ln w="9525" cap="flat" cmpd="sng" algn="ctr">
+              <a:gradFill>
+                <a:gsLst>
+                  <a:gs pos="100000">
+                    <a:schemeClr val="dk1">
+                      <a:lumMod val="95000"/>
+                      <a:lumOff val="5000"/>
+                      <a:alpha val="42000"/>
+                    </a:schemeClr>
+                  </a:gs>
+                  <a:gs pos="0">
+                    <a:schemeClr val="lt1">
+                      <a:lumMod val="75000"/>
+                      <a:alpha val="36000"/>
+                    </a:schemeClr>
+                  </a:gs>
+                </a:gsLst>
+                <a:lin ang="5400000" scaled="0"/>
+              </a:gradFill>
+              <a:round/>
+            </a:ln>
+            <a:effectLst/>
+          </c:spPr>
+        </c:majorGridlines>
+        <c:numFmt formatCode="0" sourceLinked="1"/>
+        <c:majorTickMark val="none"/>
+        <c:minorTickMark val="none"/>
+        <c:tickLblPos val="nextTo"/>
+        <c:crossAx val="-1363718976"/>
+        <c:crosses val="autoZero"/>
+        <c:crossBetween val="between"/>
+      </c:valAx>
+      <c:spPr>
+        <a:noFill/>
+        <a:ln>
+          <a:noFill/>
+        </a:ln>
+        <a:effectLst/>
+      </c:spPr>
+    </c:plotArea>
+    <c:plotVisOnly val="1"/>
+    <c:dispBlanksAs val="gap"/>
+    <c:showDLblsOverMax val="0"/>
+  </c:chart>
+  <c:spPr>
+    <a:gradFill flip="none" rotWithShape="1">
+      <a:gsLst>
+        <a:gs pos="0">
+          <a:schemeClr val="lt1"/>
+        </a:gs>
+        <a:gs pos="39000">
+          <a:schemeClr val="lt1"/>
+        </a:gs>
+        <a:gs pos="100000">
+          <a:schemeClr val="lt1">
+            <a:lumMod val="75000"/>
+          </a:schemeClr>
+        </a:gs>
+      </a:gsLst>
+      <a:path path="circle">
+        <a:fillToRect l="50000" t="-80000" r="50000" b="180000"/>
+      </a:path>
+      <a:tileRect/>
+    </a:gradFill>
+    <a:ln w="9525" cap="flat" cmpd="sng" algn="ctr">
+      <a:solidFill>
+        <a:schemeClr val="dk1">
+          <a:lumMod val="25000"/>
+          <a:lumOff val="75000"/>
+        </a:schemeClr>
+      </a:solidFill>
+      <a:round/>
+    </a:ln>
+    <a:effectLst/>
+  </c:spPr>
+  <c:txPr>
+    <a:bodyPr/>
+    <a:lstStyle/>
+    <a:p>
+      <a:pPr>
+        <a:defRPr/>
+      </a:pPr>
+      <a:endParaRPr lang="en-US"/>
+    </a:p>
+  </c:txPr>
+  <c:externalData r:id="rId3">
+    <c:autoUpdate val="0"/>
+  </c:externalData>
+  <c:extLst xmlns:c16r2="http://schemas.microsoft.com/office/drawing/2015/06/chart">
+    <c:ext xmlns:c14="http://schemas.microsoft.com/office/drawing/2007/8/2/chart" uri="{781A3756-C4B2-4CAC-9D66-4F8BD8637D16}">
+      <c14:pivotOptions>
+        <c14:dropZoneFilter val="1"/>
+        <c14:dropZoneCategories val="1"/>
+        <c14:dropZoneData val="1"/>
       </c14:pivotOptions>
     </c:ext>
   </c:extLst>
@@ -4719,6 +5201,46 @@
 </file>
 
 <file path=ppt/charts/colors5.xml><?xml version="1.0" encoding="utf-8"?>
+<cs:colorStyle xmlns:cs="http://schemas.microsoft.com/office/drawing/2012/chartStyle" xmlns:a="http://schemas.openxmlformats.org/drawingml/2006/main" meth="cycle" id="10">
+  <a:schemeClr val="accent1"/>
+  <a:schemeClr val="accent2"/>
+  <a:schemeClr val="accent3"/>
+  <a:schemeClr val="accent4"/>
+  <a:schemeClr val="accent5"/>
+  <a:schemeClr val="accent6"/>
+  <cs:variation/>
+  <cs:variation>
+    <a:lumMod val="60000"/>
+  </cs:variation>
+  <cs:variation>
+    <a:lumMod val="80000"/>
+    <a:lumOff val="20000"/>
+  </cs:variation>
+  <cs:variation>
+    <a:lumMod val="80000"/>
+  </cs:variation>
+  <cs:variation>
+    <a:lumMod val="60000"/>
+    <a:lumOff val="40000"/>
+  </cs:variation>
+  <cs:variation>
+    <a:lumMod val="50000"/>
+  </cs:variation>
+  <cs:variation>
+    <a:lumMod val="70000"/>
+    <a:lumOff val="30000"/>
+  </cs:variation>
+  <cs:variation>
+    <a:lumMod val="70000"/>
+  </cs:variation>
+  <cs:variation>
+    <a:lumMod val="50000"/>
+    <a:lumOff val="50000"/>
+  </cs:variation>
+</cs:colorStyle>
+</file>
+
+<file path=ppt/charts/colors6.xml><?xml version="1.0" encoding="utf-8"?>
 <cs:colorStyle xmlns:cs="http://schemas.microsoft.com/office/drawing/2012/chartStyle" xmlns:a="http://schemas.openxmlformats.org/drawingml/2006/main" meth="cycle" id="10">
   <a:schemeClr val="accent1"/>
   <a:schemeClr val="accent2"/>
@@ -7309,6 +7831,576 @@
 </cs:chartStyle>
 </file>
 
+<file path=ppt/charts/style6.xml><?xml version="1.0" encoding="utf-8"?>
+<cs:chartStyle xmlns:cs="http://schemas.microsoft.com/office/drawing/2012/chartStyle" xmlns:a="http://schemas.openxmlformats.org/drawingml/2006/main" id="205">
+  <cs:axisTitle>
+    <cs:lnRef idx="0"/>
+    <cs:fillRef idx="0"/>
+    <cs:effectRef idx="0"/>
+    <cs:fontRef idx="minor">
+      <a:schemeClr val="dk1">
+        <a:lumMod val="75000"/>
+        <a:lumOff val="25000"/>
+      </a:schemeClr>
+    </cs:fontRef>
+    <cs:defRPr sz="1197" b="1" kern="1200"/>
+  </cs:axisTitle>
+  <cs:categoryAxis>
+    <cs:lnRef idx="0"/>
+    <cs:fillRef idx="0"/>
+    <cs:effectRef idx="0"/>
+    <cs:fontRef idx="minor">
+      <a:schemeClr val="dk1">
+        <a:lumMod val="75000"/>
+        <a:lumOff val="25000"/>
+      </a:schemeClr>
+    </cs:fontRef>
+    <cs:spPr>
+      <a:ln w="19050" cap="flat" cmpd="sng" algn="ctr">
+        <a:solidFill>
+          <a:schemeClr val="dk1">
+            <a:lumMod val="75000"/>
+            <a:lumOff val="25000"/>
+          </a:schemeClr>
+        </a:solidFill>
+        <a:round/>
+      </a:ln>
+    </cs:spPr>
+    <cs:defRPr sz="1197" kern="1200" cap="all" baseline="0"/>
+  </cs:categoryAxis>
+  <cs:chartArea>
+    <cs:lnRef idx="0"/>
+    <cs:fillRef idx="0"/>
+    <cs:effectRef idx="0"/>
+    <cs:fontRef idx="minor">
+      <a:schemeClr val="dk1"/>
+    </cs:fontRef>
+    <cs:spPr>
+      <a:gradFill flip="none" rotWithShape="1">
+        <a:gsLst>
+          <a:gs pos="0">
+            <a:schemeClr val="lt1"/>
+          </a:gs>
+          <a:gs pos="39000">
+            <a:schemeClr val="lt1"/>
+          </a:gs>
+          <a:gs pos="100000">
+            <a:schemeClr val="lt1">
+              <a:lumMod val="75000"/>
+            </a:schemeClr>
+          </a:gs>
+        </a:gsLst>
+        <a:path path="circle">
+          <a:fillToRect l="50000" t="-80000" r="50000" b="180000"/>
+        </a:path>
+        <a:tileRect/>
+      </a:gradFill>
+      <a:ln w="9525" cap="flat" cmpd="sng" algn="ctr">
+        <a:solidFill>
+          <a:schemeClr val="dk1">
+            <a:lumMod val="25000"/>
+            <a:lumOff val="75000"/>
+          </a:schemeClr>
+        </a:solidFill>
+        <a:round/>
+      </a:ln>
+    </cs:spPr>
+    <cs:defRPr sz="1197" kern="1200"/>
+  </cs:chartArea>
+  <cs:dataLabel>
+    <cs:lnRef idx="0"/>
+    <cs:fillRef idx="0"/>
+    <cs:effectRef idx="0"/>
+    <cs:fontRef idx="minor">
+      <a:schemeClr val="lt1"/>
+    </cs:fontRef>
+    <cs:defRPr sz="1197" b="1" i="0" u="none" strike="noStrike" kern="1200" baseline="0"/>
+  </cs:dataLabel>
+  <cs:dataLabelCallout>
+    <cs:lnRef idx="0"/>
+    <cs:fillRef idx="0"/>
+    <cs:effectRef idx="0"/>
+    <cs:fontRef idx="minor">
+      <a:schemeClr val="lt1"/>
+    </cs:fontRef>
+    <cs:spPr>
+      <a:solidFill>
+        <a:schemeClr val="dk1">
+          <a:lumMod val="65000"/>
+          <a:lumOff val="35000"/>
+          <a:alpha val="75000"/>
+        </a:schemeClr>
+      </a:solidFill>
+    </cs:spPr>
+    <cs:defRPr sz="1197" b="1" kern="1200"/>
+    <cs:bodyPr rot="0" spcFirstLastPara="1" vertOverflow="clip" horzOverflow="clip" vert="horz" wrap="square" lIns="36576" tIns="18288" rIns="36576" bIns="18288" anchor="ctr" anchorCtr="1">
+      <a:spAutoFit/>
+    </cs:bodyPr>
+  </cs:dataLabelCallout>
+  <cs:dataPoint>
+    <cs:lnRef idx="0"/>
+    <cs:fillRef idx="0">
+      <cs:styleClr val="auto"/>
+    </cs:fillRef>
+    <cs:effectRef idx="0"/>
+    <cs:fontRef idx="minor">
+      <a:schemeClr val="dk1"/>
+    </cs:fontRef>
+    <cs:spPr>
+      <a:solidFill>
+        <a:schemeClr val="phClr">
+          <a:alpha val="85000"/>
+        </a:schemeClr>
+      </a:solidFill>
+      <a:ln w="9525" cap="flat" cmpd="sng" algn="ctr">
+        <a:solidFill>
+          <a:schemeClr val="lt1">
+            <a:alpha val="50000"/>
+          </a:schemeClr>
+        </a:solidFill>
+        <a:round/>
+      </a:ln>
+    </cs:spPr>
+  </cs:dataPoint>
+  <cs:dataPoint3D>
+    <cs:lnRef idx="0"/>
+    <cs:fillRef idx="0">
+      <cs:styleClr val="auto"/>
+    </cs:fillRef>
+    <cs:effectRef idx="0"/>
+    <cs:fontRef idx="minor">
+      <a:schemeClr val="dk1"/>
+    </cs:fontRef>
+    <cs:spPr>
+      <a:solidFill>
+        <a:schemeClr val="phClr">
+          <a:alpha val="85000"/>
+        </a:schemeClr>
+      </a:solidFill>
+      <a:ln w="9525" cap="flat" cmpd="sng" algn="ctr">
+        <a:solidFill>
+          <a:schemeClr val="lt1">
+            <a:alpha val="50000"/>
+          </a:schemeClr>
+        </a:solidFill>
+        <a:round/>
+      </a:ln>
+    </cs:spPr>
+  </cs:dataPoint3D>
+  <cs:dataPointLine>
+    <cs:lnRef idx="0">
+      <cs:styleClr val="auto"/>
+    </cs:lnRef>
+    <cs:fillRef idx="0"/>
+    <cs:effectRef idx="0"/>
+    <cs:fontRef idx="minor">
+      <a:schemeClr val="dk1"/>
+    </cs:fontRef>
+    <cs:spPr>
+      <a:ln w="31750" cap="rnd">
+        <a:solidFill>
+          <a:schemeClr val="phClr">
+            <a:alpha val="85000"/>
+          </a:schemeClr>
+        </a:solidFill>
+        <a:round/>
+      </a:ln>
+    </cs:spPr>
+  </cs:dataPointLine>
+  <cs:dataPointMarker>
+    <cs:lnRef idx="0"/>
+    <cs:fillRef idx="0">
+      <cs:styleClr val="auto"/>
+    </cs:fillRef>
+    <cs:effectRef idx="0"/>
+    <cs:fontRef idx="minor">
+      <a:schemeClr val="dk1"/>
+    </cs:fontRef>
+    <cs:spPr>
+      <a:solidFill>
+        <a:schemeClr val="phClr">
+          <a:alpha val="85000"/>
+        </a:schemeClr>
+      </a:solidFill>
+    </cs:spPr>
+  </cs:dataPointMarker>
+  <cs:dataPointMarkerLayout symbol="circle" size="6"/>
+  <cs:dataPointWireframe>
+    <cs:lnRef idx="0">
+      <cs:styleClr val="auto"/>
+    </cs:lnRef>
+    <cs:fillRef idx="0"/>
+    <cs:effectRef idx="0"/>
+    <cs:fontRef idx="minor">
+      <a:schemeClr val="dk1"/>
+    </cs:fontRef>
+    <cs:spPr>
+      <a:ln w="9525" cap="rnd">
+        <a:solidFill>
+          <a:schemeClr val="phClr"/>
+        </a:solidFill>
+        <a:round/>
+      </a:ln>
+    </cs:spPr>
+  </cs:dataPointWireframe>
+  <cs:dataTable>
+    <cs:lnRef idx="0"/>
+    <cs:fillRef idx="0"/>
+    <cs:effectRef idx="0"/>
+    <cs:fontRef idx="minor">
+      <a:schemeClr val="dk1">
+        <a:lumMod val="75000"/>
+        <a:lumOff val="25000"/>
+      </a:schemeClr>
+    </cs:fontRef>
+    <cs:spPr>
+      <a:ln w="9525">
+        <a:solidFill>
+          <a:schemeClr val="dk1">
+            <a:lumMod val="35000"/>
+            <a:lumOff val="65000"/>
+          </a:schemeClr>
+        </a:solidFill>
+      </a:ln>
+    </cs:spPr>
+    <cs:defRPr sz="1197" kern="1200"/>
+  </cs:dataTable>
+  <cs:downBar>
+    <cs:lnRef idx="0"/>
+    <cs:fillRef idx="0"/>
+    <cs:effectRef idx="0"/>
+    <cs:fontRef idx="minor">
+      <a:schemeClr val="dk1"/>
+    </cs:fontRef>
+    <cs:spPr>
+      <a:solidFill>
+        <a:schemeClr val="dk1">
+          <a:lumMod val="50000"/>
+          <a:lumOff val="50000"/>
+        </a:schemeClr>
+      </a:solidFill>
+      <a:ln w="9525">
+        <a:solidFill>
+          <a:schemeClr val="dk1">
+            <a:lumMod val="65000"/>
+            <a:lumOff val="35000"/>
+          </a:schemeClr>
+        </a:solidFill>
+      </a:ln>
+    </cs:spPr>
+  </cs:downBar>
+  <cs:dropLine>
+    <cs:lnRef idx="0"/>
+    <cs:fillRef idx="0"/>
+    <cs:effectRef idx="0"/>
+    <cs:fontRef idx="minor">
+      <a:schemeClr val="dk1"/>
+    </cs:fontRef>
+    <cs:spPr>
+      <a:ln w="9525">
+        <a:solidFill>
+          <a:schemeClr val="dk1">
+            <a:lumMod val="35000"/>
+            <a:lumOff val="65000"/>
+          </a:schemeClr>
+        </a:solidFill>
+        <a:prstDash val="dash"/>
+      </a:ln>
+    </cs:spPr>
+  </cs:dropLine>
+  <cs:errorBar>
+    <cs:lnRef idx="0"/>
+    <cs:fillRef idx="0"/>
+    <cs:effectRef idx="0"/>
+    <cs:fontRef idx="minor">
+      <a:schemeClr val="dk1"/>
+    </cs:fontRef>
+    <cs:spPr>
+      <a:ln w="9525">
+        <a:solidFill>
+          <a:schemeClr val="dk1">
+            <a:lumMod val="65000"/>
+            <a:lumOff val="35000"/>
+          </a:schemeClr>
+        </a:solidFill>
+        <a:round/>
+      </a:ln>
+    </cs:spPr>
+  </cs:errorBar>
+  <cs:floor>
+    <cs:lnRef idx="0"/>
+    <cs:fillRef idx="0"/>
+    <cs:effectRef idx="0"/>
+    <cs:fontRef idx="minor">
+      <a:schemeClr val="dk1"/>
+    </cs:fontRef>
+  </cs:floor>
+  <cs:gridlineMajor>
+    <cs:lnRef idx="0"/>
+    <cs:fillRef idx="0"/>
+    <cs:effectRef idx="0"/>
+    <cs:fontRef idx="minor">
+      <a:schemeClr val="dk1"/>
+    </cs:fontRef>
+    <cs:spPr>
+      <a:ln w="9525" cap="flat" cmpd="sng" algn="ctr">
+        <a:gradFill>
+          <a:gsLst>
+            <a:gs pos="100000">
+              <a:schemeClr val="dk1">
+                <a:lumMod val="95000"/>
+                <a:lumOff val="5000"/>
+                <a:alpha val="42000"/>
+              </a:schemeClr>
+            </a:gs>
+            <a:gs pos="0">
+              <a:schemeClr val="lt1">
+                <a:lumMod val="75000"/>
+                <a:alpha val="36000"/>
+              </a:schemeClr>
+            </a:gs>
+          </a:gsLst>
+          <a:lin ang="5400000" scaled="0"/>
+        </a:gradFill>
+        <a:round/>
+      </a:ln>
+    </cs:spPr>
+  </cs:gridlineMajor>
+  <cs:gridlineMinor>
+    <cs:lnRef idx="0"/>
+    <cs:fillRef idx="0"/>
+    <cs:effectRef idx="0"/>
+    <cs:fontRef idx="minor">
+      <a:schemeClr val="dk1"/>
+    </cs:fontRef>
+    <cs:spPr>
+      <a:ln>
+        <a:gradFill>
+          <a:gsLst>
+            <a:gs pos="100000">
+              <a:schemeClr val="dk1">
+                <a:lumMod val="95000"/>
+                <a:lumOff val="5000"/>
+                <a:alpha val="42000"/>
+              </a:schemeClr>
+            </a:gs>
+            <a:gs pos="0">
+              <a:schemeClr val="lt1">
+                <a:lumMod val="75000"/>
+                <a:alpha val="36000"/>
+              </a:schemeClr>
+            </a:gs>
+          </a:gsLst>
+          <a:lin ang="5400000" scaled="0"/>
+        </a:gradFill>
+      </a:ln>
+    </cs:spPr>
+  </cs:gridlineMinor>
+  <cs:hiLoLine>
+    <cs:lnRef idx="0"/>
+    <cs:fillRef idx="0"/>
+    <cs:effectRef idx="0"/>
+    <cs:fontRef idx="minor">
+      <a:schemeClr val="dk1"/>
+    </cs:fontRef>
+    <cs:spPr>
+      <a:ln w="9525">
+        <a:solidFill>
+          <a:schemeClr val="dk1">
+            <a:lumMod val="35000"/>
+            <a:lumOff val="65000"/>
+          </a:schemeClr>
+        </a:solidFill>
+        <a:prstDash val="dash"/>
+      </a:ln>
+    </cs:spPr>
+  </cs:hiLoLine>
+  <cs:leaderLine>
+    <cs:lnRef idx="0"/>
+    <cs:fillRef idx="0"/>
+    <cs:effectRef idx="0"/>
+    <cs:fontRef idx="minor">
+      <a:schemeClr val="dk1"/>
+    </cs:fontRef>
+    <cs:spPr>
+      <a:ln w="9525">
+        <a:solidFill>
+          <a:schemeClr val="dk1">
+            <a:lumMod val="50000"/>
+            <a:lumOff val="50000"/>
+          </a:schemeClr>
+        </a:solidFill>
+      </a:ln>
+    </cs:spPr>
+  </cs:leaderLine>
+  <cs:legend>
+    <cs:lnRef idx="0"/>
+    <cs:fillRef idx="0"/>
+    <cs:effectRef idx="0"/>
+    <cs:fontRef idx="minor">
+      <a:schemeClr val="dk1">
+        <a:lumMod val="75000"/>
+        <a:lumOff val="25000"/>
+      </a:schemeClr>
+    </cs:fontRef>
+    <cs:spPr>
+      <a:solidFill>
+        <a:schemeClr val="lt1">
+          <a:lumMod val="95000"/>
+          <a:alpha val="39000"/>
+        </a:schemeClr>
+      </a:solidFill>
+    </cs:spPr>
+    <cs:defRPr sz="1197" kern="1200"/>
+  </cs:legend>
+  <cs:plotArea>
+    <cs:lnRef idx="0"/>
+    <cs:fillRef idx="0"/>
+    <cs:effectRef idx="0"/>
+    <cs:fontRef idx="minor">
+      <a:schemeClr val="dk1"/>
+    </cs:fontRef>
+  </cs:plotArea>
+  <cs:plotArea3D>
+    <cs:lnRef idx="0"/>
+    <cs:fillRef idx="0"/>
+    <cs:effectRef idx="0"/>
+    <cs:fontRef idx="minor">
+      <a:schemeClr val="dk1"/>
+    </cs:fontRef>
+  </cs:plotArea3D>
+  <cs:seriesAxis>
+    <cs:lnRef idx="0"/>
+    <cs:fillRef idx="0"/>
+    <cs:effectRef idx="0"/>
+    <cs:fontRef idx="minor">
+      <a:schemeClr val="dk1">
+        <a:lumMod val="75000"/>
+        <a:lumOff val="25000"/>
+      </a:schemeClr>
+    </cs:fontRef>
+    <cs:spPr>
+      <a:ln w="31750" cap="flat" cmpd="sng" algn="ctr">
+        <a:solidFill>
+          <a:schemeClr val="dk1">
+            <a:lumMod val="75000"/>
+            <a:lumOff val="25000"/>
+          </a:schemeClr>
+        </a:solidFill>
+        <a:round/>
+      </a:ln>
+    </cs:spPr>
+    <cs:defRPr sz="1197" kern="1200"/>
+  </cs:seriesAxis>
+  <cs:seriesLine>
+    <cs:lnRef idx="0"/>
+    <cs:fillRef idx="0"/>
+    <cs:effectRef idx="0"/>
+    <cs:fontRef idx="minor">
+      <a:schemeClr val="dk1"/>
+    </cs:fontRef>
+    <cs:spPr>
+      <a:ln w="9525">
+        <a:solidFill>
+          <a:schemeClr val="dk1">
+            <a:lumMod val="50000"/>
+            <a:lumOff val="50000"/>
+          </a:schemeClr>
+        </a:solidFill>
+        <a:round/>
+      </a:ln>
+    </cs:spPr>
+  </cs:seriesLine>
+  <cs:title>
+    <cs:lnRef idx="0"/>
+    <cs:fillRef idx="0"/>
+    <cs:effectRef idx="0"/>
+    <cs:fontRef idx="minor">
+      <a:schemeClr val="dk1">
+        <a:lumMod val="75000"/>
+        <a:lumOff val="25000"/>
+      </a:schemeClr>
+    </cs:fontRef>
+    <cs:defRPr sz="2200" b="1" kern="1200" baseline="0"/>
+  </cs:title>
+  <cs:trendline>
+    <cs:lnRef idx="0">
+      <cs:styleClr val="auto"/>
+    </cs:lnRef>
+    <cs:fillRef idx="0"/>
+    <cs:effectRef idx="0"/>
+    <cs:fontRef idx="minor">
+      <a:schemeClr val="dk1"/>
+    </cs:fontRef>
+    <cs:spPr>
+      <a:ln w="19050" cap="rnd">
+        <a:solidFill>
+          <a:schemeClr val="phClr"/>
+        </a:solidFill>
+      </a:ln>
+    </cs:spPr>
+  </cs:trendline>
+  <cs:trendlineLabel>
+    <cs:lnRef idx="0"/>
+    <cs:fillRef idx="0"/>
+    <cs:effectRef idx="0"/>
+    <cs:fontRef idx="minor">
+      <a:schemeClr val="dk1">
+        <a:lumMod val="75000"/>
+        <a:lumOff val="25000"/>
+      </a:schemeClr>
+    </cs:fontRef>
+    <cs:defRPr sz="1197" kern="1200"/>
+  </cs:trendlineLabel>
+  <cs:upBar>
+    <cs:lnRef idx="0"/>
+    <cs:fillRef idx="0"/>
+    <cs:effectRef idx="0"/>
+    <cs:fontRef idx="minor">
+      <a:schemeClr val="dk1"/>
+    </cs:fontRef>
+    <cs:spPr>
+      <a:solidFill>
+        <a:schemeClr val="lt1"/>
+      </a:solidFill>
+      <a:ln w="9525">
+        <a:solidFill>
+          <a:schemeClr val="dk1">
+            <a:lumMod val="65000"/>
+            <a:lumOff val="35000"/>
+          </a:schemeClr>
+        </a:solidFill>
+      </a:ln>
+    </cs:spPr>
+  </cs:upBar>
+  <cs:valueAxis>
+    <cs:lnRef idx="0"/>
+    <cs:fillRef idx="0"/>
+    <cs:effectRef idx="0"/>
+    <cs:fontRef idx="minor">
+      <a:schemeClr val="dk1">
+        <a:lumMod val="75000"/>
+        <a:lumOff val="25000"/>
+      </a:schemeClr>
+    </cs:fontRef>
+    <cs:spPr>
+      <a:ln>
+        <a:noFill/>
+      </a:ln>
+    </cs:spPr>
+    <cs:defRPr sz="1197" kern="1200"/>
+  </cs:valueAxis>
+  <cs:wall>
+    <cs:lnRef idx="0"/>
+    <cs:fillRef idx="0"/>
+    <cs:effectRef idx="0"/>
+    <cs:fontRef idx="minor">
+      <a:schemeClr val="dk1"/>
+    </cs:fontRef>
+  </cs:wall>
+</cs:chartStyle>
+</file>
+
 <file path=ppt/notesMasters/notesMaster1.xml><?xml version="1.0" encoding="utf-8"?>
 <p:notesMaster xmlns:a="http://schemas.openxmlformats.org/drawingml/2006/main" xmlns:r="http://schemas.openxmlformats.org/officeDocument/2006/relationships" xmlns:p="http://schemas.openxmlformats.org/presentationml/2006/main">
   <p:cSld>
@@ -7391,7 +8483,7 @@
           <a:p>
             <a:fld id="{411EBE5F-2E1C-4943-B77A-2485CA48E25D}" type="datetimeFigureOut">
               <a:rPr lang="en-IN" smtClean="0"/>
-              <a:t>26-06-2023</a:t>
+              <a:t>27-06-2023</a:t>
             </a:fld>
             <a:endParaRPr lang="en-IN"/>
           </a:p>
@@ -7734,6 +8826,218 @@
     <p:extLst>
       <p:ext uri="{BB962C8B-B14F-4D97-AF65-F5344CB8AC3E}">
         <p14:creationId xmlns:p14="http://schemas.microsoft.com/office/powerpoint/2010/main" val="1412874294"/>
+      </p:ext>
+    </p:extLst>
+  </p:cSld>
+  <p:clrMapOvr>
+    <a:masterClrMapping/>
+  </p:clrMapOvr>
+</p:notes>
+</file>
+
+<file path=ppt/notesSlides/notesSlide2.xml><?xml version="1.0" encoding="utf-8"?>
+<p:notes xmlns:a="http://schemas.openxmlformats.org/drawingml/2006/main" xmlns:r="http://schemas.openxmlformats.org/officeDocument/2006/relationships" xmlns:p="http://schemas.openxmlformats.org/presentationml/2006/main">
+  <p:cSld>
+    <p:spTree>
+      <p:nvGrpSpPr>
+        <p:cNvPr id="1" name=""/>
+        <p:cNvGrpSpPr/>
+        <p:nvPr/>
+      </p:nvGrpSpPr>
+      <p:grpSpPr>
+        <a:xfrm>
+          <a:off x="0" y="0"/>
+          <a:ext cx="0" cy="0"/>
+          <a:chOff x="0" y="0"/>
+          <a:chExt cx="0" cy="0"/>
+        </a:xfrm>
+      </p:grpSpPr>
+      <p:sp>
+        <p:nvSpPr>
+          <p:cNvPr id="2" name="Slide Image Placeholder 1"/>
+          <p:cNvSpPr>
+            <a:spLocks noGrp="1" noRot="1" noChangeAspect="1"/>
+          </p:cNvSpPr>
+          <p:nvPr>
+            <p:ph type="sldImg"/>
+          </p:nvPr>
+        </p:nvSpPr>
+        <p:spPr/>
+      </p:sp>
+      <p:sp>
+        <p:nvSpPr>
+          <p:cNvPr id="3" name="Notes Placeholder 2"/>
+          <p:cNvSpPr>
+            <a:spLocks noGrp="1"/>
+          </p:cNvSpPr>
+          <p:nvPr>
+            <p:ph type="body" idx="1"/>
+          </p:nvPr>
+        </p:nvSpPr>
+        <p:spPr/>
+        <p:txBody>
+          <a:bodyPr/>
+          <a:lstStyle/>
+          <a:p>
+            <a:pPr marL="0" marR="0" indent="0" algn="l" defTabSz="914400" rtl="0" eaLnBrk="1" fontAlgn="auto" latinLnBrk="0" hangingPunct="1">
+              <a:lnSpc>
+                <a:spcPct val="100000"/>
+              </a:lnSpc>
+              <a:spcBef>
+                <a:spcPts val="0"/>
+              </a:spcBef>
+              <a:spcAft>
+                <a:spcPts val="0"/>
+              </a:spcAft>
+              <a:buClrTx/>
+              <a:buSzTx/>
+              <a:buFontTx/>
+              <a:buNone/>
+              <a:tabLst/>
+              <a:defRPr/>
+            </a:pPr>
+            <a:r>
+              <a:rPr lang="en-US" dirty="0" smtClean="0"/>
+              <a:t>v</a:t>
+            </a:r>
+            <a:endParaRPr lang="en-IN" dirty="0" smtClean="0"/>
+          </a:p>
+          <a:p>
+            <a:pPr marL="0" marR="0" indent="0" algn="l" defTabSz="914400" rtl="0" eaLnBrk="1" fontAlgn="auto" latinLnBrk="0" hangingPunct="1">
+              <a:lnSpc>
+                <a:spcPct val="100000"/>
+              </a:lnSpc>
+              <a:spcBef>
+                <a:spcPts val="0"/>
+              </a:spcBef>
+              <a:spcAft>
+                <a:spcPts val="0"/>
+              </a:spcAft>
+              <a:buClrTx/>
+              <a:buSzTx/>
+              <a:buFontTx/>
+              <a:buNone/>
+              <a:tabLst/>
+              <a:defRPr/>
+            </a:pPr>
+            <a:endParaRPr lang="en-IN" dirty="0" smtClean="0"/>
+          </a:p>
+          <a:p>
+            <a:endParaRPr lang="en-IN" dirty="0"/>
+          </a:p>
+        </p:txBody>
+      </p:sp>
+      <p:sp>
+        <p:nvSpPr>
+          <p:cNvPr id="4" name="Slide Number Placeholder 3"/>
+          <p:cNvSpPr>
+            <a:spLocks noGrp="1"/>
+          </p:cNvSpPr>
+          <p:nvPr>
+            <p:ph type="sldNum" sz="quarter" idx="10"/>
+          </p:nvPr>
+        </p:nvSpPr>
+        <p:spPr/>
+        <p:txBody>
+          <a:bodyPr/>
+          <a:lstStyle/>
+          <a:p>
+            <a:fld id="{CDDF187B-7817-4471-AECE-1862DD35CCD3}" type="slidenum">
+              <a:rPr lang="en-IN" smtClean="0"/>
+              <a:t>8</a:t>
+            </a:fld>
+            <a:endParaRPr lang="en-IN"/>
+          </a:p>
+        </p:txBody>
+      </p:sp>
+    </p:spTree>
+    <p:extLst>
+      <p:ext uri="{BB962C8B-B14F-4D97-AF65-F5344CB8AC3E}">
+        <p14:creationId xmlns:p14="http://schemas.microsoft.com/office/powerpoint/2010/main" val="1071459728"/>
+      </p:ext>
+    </p:extLst>
+  </p:cSld>
+  <p:clrMapOvr>
+    <a:masterClrMapping/>
+  </p:clrMapOvr>
+</p:notes>
+</file>
+
+<file path=ppt/notesSlides/notesSlide3.xml><?xml version="1.0" encoding="utf-8"?>
+<p:notes xmlns:a="http://schemas.openxmlformats.org/drawingml/2006/main" xmlns:r="http://schemas.openxmlformats.org/officeDocument/2006/relationships" xmlns:p="http://schemas.openxmlformats.org/presentationml/2006/main">
+  <p:cSld>
+    <p:spTree>
+      <p:nvGrpSpPr>
+        <p:cNvPr id="1" name=""/>
+        <p:cNvGrpSpPr/>
+        <p:nvPr/>
+      </p:nvGrpSpPr>
+      <p:grpSpPr>
+        <a:xfrm>
+          <a:off x="0" y="0"/>
+          <a:ext cx="0" cy="0"/>
+          <a:chOff x="0" y="0"/>
+          <a:chExt cx="0" cy="0"/>
+        </a:xfrm>
+      </p:grpSpPr>
+      <p:sp>
+        <p:nvSpPr>
+          <p:cNvPr id="2" name="Slide Image Placeholder 1"/>
+          <p:cNvSpPr>
+            <a:spLocks noGrp="1" noRot="1" noChangeAspect="1"/>
+          </p:cNvSpPr>
+          <p:nvPr>
+            <p:ph type="sldImg"/>
+          </p:nvPr>
+        </p:nvSpPr>
+        <p:spPr/>
+      </p:sp>
+      <p:sp>
+        <p:nvSpPr>
+          <p:cNvPr id="3" name="Notes Placeholder 2"/>
+          <p:cNvSpPr>
+            <a:spLocks noGrp="1"/>
+          </p:cNvSpPr>
+          <p:nvPr>
+            <p:ph type="body" idx="1"/>
+          </p:nvPr>
+        </p:nvSpPr>
+        <p:spPr/>
+        <p:txBody>
+          <a:bodyPr/>
+          <a:lstStyle/>
+          <a:p>
+            <a:endParaRPr lang="en-IN" dirty="0"/>
+          </a:p>
+        </p:txBody>
+      </p:sp>
+      <p:sp>
+        <p:nvSpPr>
+          <p:cNvPr id="4" name="Slide Number Placeholder 3"/>
+          <p:cNvSpPr>
+            <a:spLocks noGrp="1"/>
+          </p:cNvSpPr>
+          <p:nvPr>
+            <p:ph type="sldNum" sz="quarter" idx="10"/>
+          </p:nvPr>
+        </p:nvSpPr>
+        <p:spPr/>
+        <p:txBody>
+          <a:bodyPr/>
+          <a:lstStyle/>
+          <a:p>
+            <a:fld id="{CDDF187B-7817-4471-AECE-1862DD35CCD3}" type="slidenum">
+              <a:rPr lang="en-IN" smtClean="0"/>
+              <a:t>11</a:t>
+            </a:fld>
+            <a:endParaRPr lang="en-IN"/>
+          </a:p>
+        </p:txBody>
+      </p:sp>
+    </p:spTree>
+    <p:extLst>
+      <p:ext uri="{BB962C8B-B14F-4D97-AF65-F5344CB8AC3E}">
+        <p14:creationId xmlns:p14="http://schemas.microsoft.com/office/powerpoint/2010/main" val="3114392830"/>
       </p:ext>
     </p:extLst>
   </p:cSld>
@@ -8466,7 +9770,7 @@
             <a:fld id="{1D8BD707-D9CF-40AE-B4C6-C98DA3205C09}" type="datetimeFigureOut">
               <a:rPr lang="en-US" smtClean="0"/>
               <a:pPr/>
-              <a:t>6/26/2023</a:t>
+              <a:t>6/27/2023</a:t>
             </a:fld>
             <a:endParaRPr lang="en-US"/>
           </a:p>
@@ -8731,7 +10035,7 @@
             <a:fld id="{1D8BD707-D9CF-40AE-B4C6-C98DA3205C09}" type="datetimeFigureOut">
               <a:rPr lang="en-US" smtClean="0"/>
               <a:pPr/>
-              <a:t>6/26/2023</a:t>
+              <a:t>6/27/2023</a:t>
             </a:fld>
             <a:endParaRPr lang="en-US"/>
           </a:p>
@@ -9059,7 +10363,7 @@
             <a:fld id="{1D8BD707-D9CF-40AE-B4C6-C98DA3205C09}" type="datetimeFigureOut">
               <a:rPr lang="en-US" smtClean="0"/>
               <a:pPr/>
-              <a:t>6/26/2023</a:t>
+              <a:t>6/27/2023</a:t>
             </a:fld>
             <a:endParaRPr lang="en-US"/>
           </a:p>
@@ -9414,7 +10718,7 @@
             <a:fld id="{1D8BD707-D9CF-40AE-B4C6-C98DA3205C09}" type="datetimeFigureOut">
               <a:rPr lang="en-US" smtClean="0"/>
               <a:pPr/>
-              <a:t>6/26/2023</a:t>
+              <a:t>6/27/2023</a:t>
             </a:fld>
             <a:endParaRPr lang="en-US"/>
           </a:p>
@@ -9742,7 +11046,7 @@
             <a:fld id="{1D8BD707-D9CF-40AE-B4C6-C98DA3205C09}" type="datetimeFigureOut">
               <a:rPr lang="en-US" smtClean="0"/>
               <a:pPr/>
-              <a:t>6/26/2023</a:t>
+              <a:t>6/27/2023</a:t>
             </a:fld>
             <a:endParaRPr lang="en-US"/>
           </a:p>
@@ -10149,7 +11453,7 @@
             <a:fld id="{1D8BD707-D9CF-40AE-B4C6-C98DA3205C09}" type="datetimeFigureOut">
               <a:rPr lang="en-US" smtClean="0"/>
               <a:pPr/>
-              <a:t>6/26/2023</a:t>
+              <a:t>6/27/2023</a:t>
             </a:fld>
             <a:endParaRPr lang="en-US"/>
           </a:p>
@@ -10333,7 +11637,7 @@
             <a:fld id="{1D8BD707-D9CF-40AE-B4C6-C98DA3205C09}" type="datetimeFigureOut">
               <a:rPr lang="en-US" smtClean="0"/>
               <a:pPr/>
-              <a:t>6/26/2023</a:t>
+              <a:t>6/27/2023</a:t>
             </a:fld>
             <a:endParaRPr lang="en-US"/>
           </a:p>
@@ -10527,7 +11831,7 @@
             <a:fld id="{1D8BD707-D9CF-40AE-B4C6-C98DA3205C09}" type="datetimeFigureOut">
               <a:rPr lang="en-US" smtClean="0"/>
               <a:pPr/>
-              <a:t>6/26/2023</a:t>
+              <a:t>6/27/2023</a:t>
             </a:fld>
             <a:endParaRPr lang="en-US"/>
           </a:p>
@@ -10717,7 +12021,7 @@
             <a:fld id="{1D8BD707-D9CF-40AE-B4C6-C98DA3205C09}" type="datetimeFigureOut">
               <a:rPr lang="en-US" smtClean="0"/>
               <a:pPr/>
-              <a:t>6/26/2023</a:t>
+              <a:t>6/27/2023</a:t>
             </a:fld>
             <a:endParaRPr lang="en-US"/>
           </a:p>
@@ -10978,7 +12282,7 @@
             <a:fld id="{1D8BD707-D9CF-40AE-B4C6-C98DA3205C09}" type="datetimeFigureOut">
               <a:rPr lang="en-US" smtClean="0"/>
               <a:pPr/>
-              <a:t>6/26/2023</a:t>
+              <a:t>6/27/2023</a:t>
             </a:fld>
             <a:endParaRPr lang="en-US"/>
           </a:p>
@@ -11224,7 +12528,7 @@
             <a:fld id="{1D8BD707-D9CF-40AE-B4C6-C98DA3205C09}" type="datetimeFigureOut">
               <a:rPr lang="en-US" smtClean="0"/>
               <a:pPr/>
-              <a:t>6/26/2023</a:t>
+              <a:t>6/27/2023</a:t>
             </a:fld>
             <a:endParaRPr lang="en-US"/>
           </a:p>
@@ -11612,7 +12916,7 @@
             <a:fld id="{1D8BD707-D9CF-40AE-B4C6-C98DA3205C09}" type="datetimeFigureOut">
               <a:rPr lang="en-US" smtClean="0"/>
               <a:pPr/>
-              <a:t>6/26/2023</a:t>
+              <a:t>6/27/2023</a:t>
             </a:fld>
             <a:endParaRPr lang="en-US"/>
           </a:p>
@@ -11749,7 +13053,7 @@
             <a:fld id="{1D8BD707-D9CF-40AE-B4C6-C98DA3205C09}" type="datetimeFigureOut">
               <a:rPr lang="en-US" smtClean="0"/>
               <a:pPr/>
-              <a:t>6/26/2023</a:t>
+              <a:t>6/27/2023</a:t>
             </a:fld>
             <a:endParaRPr lang="en-US"/>
           </a:p>
@@ -11858,7 +13162,7 @@
             <a:fld id="{1D8BD707-D9CF-40AE-B4C6-C98DA3205C09}" type="datetimeFigureOut">
               <a:rPr lang="en-US" smtClean="0"/>
               <a:pPr/>
-              <a:t>6/26/2023</a:t>
+              <a:t>6/27/2023</a:t>
             </a:fld>
             <a:endParaRPr lang="en-US"/>
           </a:p>
@@ -12127,7 +13431,7 @@
             <a:fld id="{1D8BD707-D9CF-40AE-B4C6-C98DA3205C09}" type="datetimeFigureOut">
               <a:rPr lang="en-US" smtClean="0"/>
               <a:pPr/>
-              <a:t>6/26/2023</a:t>
+              <a:t>6/27/2023</a:t>
             </a:fld>
             <a:endParaRPr lang="en-US"/>
           </a:p>
@@ -12404,7 +13708,7 @@
             <a:fld id="{1D8BD707-D9CF-40AE-B4C6-C98DA3205C09}" type="datetimeFigureOut">
               <a:rPr lang="en-US" smtClean="0"/>
               <a:pPr/>
-              <a:t>6/26/2023</a:t>
+              <a:t>6/27/2023</a:t>
             </a:fld>
             <a:endParaRPr lang="en-US"/>
           </a:p>
@@ -13161,7 +14465,7 @@
             <a:fld id="{1D8BD707-D9CF-40AE-B4C6-C98DA3205C09}" type="datetimeFigureOut">
               <a:rPr lang="en-US" smtClean="0"/>
               <a:pPr/>
-              <a:t>6/26/2023</a:t>
+              <a:t>6/27/2023</a:t>
             </a:fld>
             <a:endParaRPr lang="en-US"/>
           </a:p>
@@ -13808,7 +15112,7 @@
             <a:blip r:embed="rId3">
               <a:extLst>
                 <a:ext uri="{96DAC541-7B7A-43D3-8B79-37D633B846F1}">
-                  <asvg:svgBlip xmlns="" xmlns:asvg="http://schemas.microsoft.com/office/drawing/2016/SVG/main" r:embed="rId11"/>
+                  <asvg:svgBlip xmlns:asvg="http://schemas.microsoft.com/office/drawing/2016/SVG/main" xmlns="" r:embed="rId11"/>
                 </a:ext>
               </a:extLst>
             </a:blip>
@@ -14061,7 +15365,7 @@
           <p:nvPr>
             <p:extLst>
               <p:ext uri="{D42A27DB-BD31-4B8C-83A1-F6EECF244321}">
-                <p14:modId xmlns:p14="http://schemas.microsoft.com/office/powerpoint/2010/main" val="2622015963"/>
+                <p14:modId xmlns:p14="http://schemas.microsoft.com/office/powerpoint/2010/main" val="4125648772"/>
               </p:ext>
             </p:extLst>
           </p:nvPr>
@@ -14390,7 +15694,7 @@
           <p:nvPr/>
         </p:nvPicPr>
         <p:blipFill>
-          <a:blip r:embed="rId2"/>
+          <a:blip r:embed="rId3"/>
           <a:stretch>
             <a:fillRect/>
           </a:stretch>
@@ -14413,12 +15717,15 @@
         </p:nvSpPr>
         <p:spPr>
           <a:xfrm>
-            <a:off x="4419600" y="-276700"/>
-            <a:ext cx="11184202" cy="1015663"/>
+            <a:off x="0" y="-276700"/>
+            <a:ext cx="18288000" cy="1015663"/>
           </a:xfrm>
           <a:prstGeom prst="rect">
             <a:avLst/>
           </a:prstGeom>
+          <a:solidFill>
+            <a:srgbClr val="002060"/>
+          </a:solidFill>
         </p:spPr>
         <p:txBody>
           <a:bodyPr wrap="square">
@@ -14429,6 +15736,9 @@
             <a:pPr algn="ctr"/>
             <a:r>
               <a:rPr lang="en-US" sz="6000" dirty="0" smtClean="0">
+                <a:solidFill>
+                  <a:schemeClr val="bg1"/>
+                </a:solidFill>
                 <a:latin typeface="Cambria Math" panose="02040503050406030204" pitchFamily="18" charset="0"/>
                 <a:ea typeface="Cambria Math" panose="02040503050406030204" pitchFamily="18" charset="0"/>
               </a:rPr>
@@ -14436,12 +15746,18 @@
             </a:r>
             <a:r>
               <a:rPr lang="en-US" sz="5400" dirty="0">
+                <a:solidFill>
+                  <a:schemeClr val="bg1"/>
+                </a:solidFill>
                 <a:latin typeface="Cambria Math" panose="02040503050406030204" pitchFamily="18" charset="0"/>
                 <a:ea typeface="Cambria Math" panose="02040503050406030204" pitchFamily="18" charset="0"/>
               </a:rPr>
               <a:t>Dashboard</a:t>
             </a:r>
             <a:endParaRPr lang="en-IN" dirty="0">
+              <a:solidFill>
+                <a:schemeClr val="bg1"/>
+              </a:solidFill>
               <a:latin typeface="Cambria Math" panose="02040503050406030204" pitchFamily="18" charset="0"/>
               <a:ea typeface="Cambria Math" panose="02040503050406030204" pitchFamily="18" charset="0"/>
             </a:endParaRPr>
@@ -14481,6 +15797,605 @@
 </file>
 
 <file path=ppt/slides/slide12.xml><?xml version="1.0" encoding="utf-8"?>
+<p:sld xmlns:a="http://schemas.openxmlformats.org/drawingml/2006/main" xmlns:r="http://schemas.openxmlformats.org/officeDocument/2006/relationships" xmlns:p="http://schemas.openxmlformats.org/presentationml/2006/main">
+  <p:cSld>
+    <p:spTree>
+      <p:nvGrpSpPr>
+        <p:cNvPr id="1" name=""/>
+        <p:cNvGrpSpPr/>
+        <p:nvPr/>
+      </p:nvGrpSpPr>
+      <p:grpSpPr>
+        <a:xfrm>
+          <a:off x="0" y="0"/>
+          <a:ext cx="0" cy="0"/>
+          <a:chOff x="0" y="0"/>
+          <a:chExt cx="0" cy="0"/>
+        </a:xfrm>
+      </p:grpSpPr>
+      <p:sp>
+        <p:nvSpPr>
+          <p:cNvPr id="3" name="TextBox 2"/>
+          <p:cNvSpPr txBox="1"/>
+          <p:nvPr/>
+        </p:nvSpPr>
+        <p:spPr>
+          <a:xfrm>
+            <a:off x="304800" y="1257300"/>
+            <a:ext cx="6705600" cy="1107996"/>
+          </a:xfrm>
+          <a:prstGeom prst="rect">
+            <a:avLst/>
+          </a:prstGeom>
+          <a:noFill/>
+        </p:spPr>
+        <p:txBody>
+          <a:bodyPr wrap="square" rtlCol="0">
+            <a:spAutoFit/>
+          </a:bodyPr>
+          <a:lstStyle/>
+          <a:p>
+            <a:r>
+              <a:rPr lang="en-US" sz="6600" dirty="0" smtClean="0">
+                <a:latin typeface="Elephant" panose="02020904090505020303" pitchFamily="18" charset="0"/>
+              </a:rPr>
+              <a:t>Future Scope</a:t>
+            </a:r>
+            <a:endParaRPr lang="en-IN" sz="6600" dirty="0">
+              <a:latin typeface="Elephant" panose="02020904090505020303" pitchFamily="18" charset="0"/>
+            </a:endParaRPr>
+          </a:p>
+        </p:txBody>
+      </p:sp>
+      <p:sp>
+        <p:nvSpPr>
+          <p:cNvPr id="12" name="Rectangle 5"/>
+          <p:cNvSpPr>
+            <a:spLocks noChangeArrowheads="1"/>
+          </p:cNvSpPr>
+          <p:nvPr/>
+        </p:nvSpPr>
+        <p:spPr bwMode="auto">
+          <a:xfrm>
+            <a:off x="838200" y="3162301"/>
+            <a:ext cx="13335000" cy="6400800"/>
+          </a:xfrm>
+          <a:prstGeom prst="rect">
+            <a:avLst/>
+          </a:prstGeom>
+          <a:solidFill>
+            <a:schemeClr val="bg1"/>
+          </a:solidFill>
+          <a:ln>
+            <a:noFill/>
+          </a:ln>
+          <a:effectLst/>
+        </p:spPr>
+        <p:txBody>
+          <a:bodyPr vert="horz" wrap="square" lIns="0" tIns="0" rIns="0" bIns="0" numCol="1" anchor="ctr" anchorCtr="0" compatLnSpc="1">
+            <a:prstTxWarp prst="textNoShape">
+              <a:avLst/>
+            </a:prstTxWarp>
+            <a:spAutoFit/>
+          </a:bodyPr>
+          <a:lstStyle/>
+          <a:p>
+            <a:pPr marL="0" marR="0" lvl="0" indent="0" algn="l" defTabSz="914400" rtl="0" eaLnBrk="0" fontAlgn="base" latinLnBrk="0" hangingPunct="0">
+              <a:lnSpc>
+                <a:spcPct val="100000"/>
+              </a:lnSpc>
+              <a:spcBef>
+                <a:spcPct val="0"/>
+              </a:spcBef>
+              <a:spcAft>
+                <a:spcPct val="0"/>
+              </a:spcAft>
+              <a:buClrTx/>
+              <a:buSzTx/>
+              <a:buFontTx/>
+              <a:buNone/>
+              <a:tabLst/>
+            </a:pPr>
+            <a:endParaRPr kumimoji="0" lang="en-US" sz="3200" b="0" i="0" u="none" strike="noStrike" cap="none" normalizeH="0" baseline="0" dirty="0" smtClean="0">
+              <a:ln>
+                <a:noFill/>
+              </a:ln>
+              <a:solidFill>
+                <a:srgbClr val="374151"/>
+              </a:solidFill>
+              <a:effectLst/>
+              <a:latin typeface="Cambria Math" panose="02040503050406030204" pitchFamily="18" charset="0"/>
+              <a:ea typeface="Cambria Math" panose="02040503050406030204" pitchFamily="18" charset="0"/>
+            </a:endParaRPr>
+          </a:p>
+          <a:p>
+            <a:pPr marL="0" marR="0" lvl="0" indent="0" algn="l" defTabSz="914400" rtl="0" eaLnBrk="0" fontAlgn="base" latinLnBrk="0" hangingPunct="0">
+              <a:lnSpc>
+                <a:spcPct val="150000"/>
+              </a:lnSpc>
+              <a:spcBef>
+                <a:spcPct val="0"/>
+              </a:spcBef>
+              <a:spcAft>
+                <a:spcPct val="0"/>
+              </a:spcAft>
+              <a:buClrTx/>
+              <a:buSzTx/>
+              <a:buFontTx/>
+              <a:buChar char="•"/>
+              <a:tabLst/>
+            </a:pPr>
+            <a:r>
+              <a:rPr kumimoji="0" lang="en-US" sz="3200" b="0" i="0" u="none" strike="noStrike" cap="none" normalizeH="0" baseline="0" dirty="0" smtClean="0">
+                <a:ln>
+                  <a:noFill/>
+                </a:ln>
+                <a:solidFill>
+                  <a:srgbClr val="374151"/>
+                </a:solidFill>
+                <a:effectLst/>
+                <a:latin typeface="Cambria Math" panose="02040503050406030204" pitchFamily="18" charset="0"/>
+                <a:ea typeface="Cambria Math" panose="02040503050406030204" pitchFamily="18" charset="0"/>
+              </a:rPr>
+              <a:t>Promising future scope: The industry shows potential for growth and development.</a:t>
+            </a:r>
+          </a:p>
+          <a:p>
+            <a:pPr marL="0" marR="0" lvl="0" indent="0" algn="l" defTabSz="914400" rtl="0" eaLnBrk="0" fontAlgn="base" latinLnBrk="0" hangingPunct="0">
+              <a:lnSpc>
+                <a:spcPct val="150000"/>
+              </a:lnSpc>
+              <a:spcBef>
+                <a:spcPct val="0"/>
+              </a:spcBef>
+              <a:spcAft>
+                <a:spcPct val="0"/>
+              </a:spcAft>
+              <a:buClrTx/>
+              <a:buSzTx/>
+              <a:buFontTx/>
+              <a:buChar char="•"/>
+              <a:tabLst/>
+            </a:pPr>
+            <a:r>
+              <a:rPr kumimoji="0" lang="en-US" sz="3200" b="0" i="0" u="none" strike="noStrike" cap="none" normalizeH="0" baseline="0" dirty="0" smtClean="0">
+                <a:ln>
+                  <a:noFill/>
+                </a:ln>
+                <a:solidFill>
+                  <a:srgbClr val="374151"/>
+                </a:solidFill>
+                <a:effectLst/>
+                <a:latin typeface="Cambria Math" panose="02040503050406030204" pitchFamily="18" charset="0"/>
+                <a:ea typeface="Cambria Math" panose="02040503050406030204" pitchFamily="18" charset="0"/>
+              </a:rPr>
+              <a:t>Market opportunities: Price variations across benefit areas indicate untapped potential for expansion.</a:t>
+            </a:r>
+          </a:p>
+          <a:p>
+            <a:pPr marL="0" marR="0" lvl="0" indent="0" algn="l" defTabSz="914400" rtl="0" eaLnBrk="0" fontAlgn="base" latinLnBrk="0" hangingPunct="0">
+              <a:lnSpc>
+                <a:spcPct val="150000"/>
+              </a:lnSpc>
+              <a:spcBef>
+                <a:spcPct val="0"/>
+              </a:spcBef>
+              <a:spcAft>
+                <a:spcPct val="0"/>
+              </a:spcAft>
+              <a:buClrTx/>
+              <a:buSzTx/>
+              <a:buFontTx/>
+              <a:buChar char="•"/>
+              <a:tabLst/>
+            </a:pPr>
+            <a:r>
+              <a:rPr kumimoji="0" lang="en-US" sz="3200" b="0" i="0" u="none" strike="noStrike" cap="none" normalizeH="0" baseline="0" dirty="0" smtClean="0">
+                <a:ln>
+                  <a:noFill/>
+                </a:ln>
+                <a:solidFill>
+                  <a:srgbClr val="374151"/>
+                </a:solidFill>
+                <a:effectLst/>
+                <a:latin typeface="Cambria Math" panose="02040503050406030204" pitchFamily="18" charset="0"/>
+                <a:ea typeface="Cambria Math" panose="02040503050406030204" pitchFamily="18" charset="0"/>
+              </a:rPr>
+              <a:t>Expanding product offerings: Targeting underutilized sectors like joints, hair, blood, and respiratory issues can tap into new markets.</a:t>
+            </a:r>
+          </a:p>
+          <a:p>
+            <a:pPr lvl="0" eaLnBrk="0" fontAlgn="base" hangingPunct="0">
+              <a:lnSpc>
+                <a:spcPct val="150000"/>
+              </a:lnSpc>
+              <a:spcBef>
+                <a:spcPct val="0"/>
+              </a:spcBef>
+              <a:spcAft>
+                <a:spcPct val="0"/>
+              </a:spcAft>
+              <a:buFontTx/>
+              <a:buChar char="•"/>
+            </a:pPr>
+            <a:r>
+              <a:rPr kumimoji="0" lang="en-US" sz="3200" b="0" i="0" u="none" strike="noStrike" cap="none" normalizeH="0" baseline="0" dirty="0" smtClean="0">
+                <a:ln>
+                  <a:noFill/>
+                </a:ln>
+                <a:solidFill>
+                  <a:srgbClr val="374151"/>
+                </a:solidFill>
+                <a:effectLst/>
+                <a:latin typeface="Cambria Math" panose="02040503050406030204" pitchFamily="18" charset="0"/>
+                <a:ea typeface="Cambria Math" panose="02040503050406030204" pitchFamily="18" charset="0"/>
+              </a:rPr>
+              <a:t>Advancements and acceptance: Research</a:t>
+            </a:r>
+            <a:r>
+              <a:rPr lang="en-US" sz="3200" dirty="0" smtClean="0">
+                <a:latin typeface="Cambria Math" panose="02040503050406030204" pitchFamily="18" charset="0"/>
+                <a:ea typeface="Cambria Math" panose="02040503050406030204" pitchFamily="18" charset="0"/>
+              </a:rPr>
+              <a:t>, </a:t>
+            </a:r>
+            <a:r>
+              <a:rPr lang="en-US" sz="3200" dirty="0">
+                <a:latin typeface="Cambria Math" panose="02040503050406030204" pitchFamily="18" charset="0"/>
+                <a:ea typeface="Cambria Math" panose="02040503050406030204" pitchFamily="18" charset="0"/>
+              </a:rPr>
+              <a:t>technology, and holistic healthcare trends improve industry growth and consumer accessibility.</a:t>
+            </a:r>
+            <a:endParaRPr kumimoji="0" lang="en-US" sz="3200" b="0" i="0" u="none" strike="noStrike" cap="none" normalizeH="0" baseline="0" dirty="0" smtClean="0">
+              <a:ln>
+                <a:noFill/>
+              </a:ln>
+              <a:solidFill>
+                <a:schemeClr val="tx1"/>
+              </a:solidFill>
+              <a:effectLst/>
+              <a:latin typeface="Cambria Math" panose="02040503050406030204" pitchFamily="18" charset="0"/>
+              <a:ea typeface="Cambria Math" panose="02040503050406030204" pitchFamily="18" charset="0"/>
+            </a:endParaRPr>
+          </a:p>
+        </p:txBody>
+      </p:sp>
+      <p:graphicFrame>
+        <p:nvGraphicFramePr>
+          <p:cNvPr id="13" name="Chart 12">
+            <a:extLst>
+              <a:ext uri="{FF2B5EF4-FFF2-40B4-BE49-F238E27FC236}">
+                <a16:creationId xmlns="" xmlns:a16="http://schemas.microsoft.com/office/drawing/2014/main" id="{00000000-0008-0000-0200-000005000000}"/>
+              </a:ext>
+            </a:extLst>
+          </p:cNvPr>
+          <p:cNvGraphicFramePr>
+            <a:graphicFrameLocks/>
+          </p:cNvGraphicFramePr>
+          <p:nvPr>
+            <p:extLst>
+              <p:ext uri="{D42A27DB-BD31-4B8C-83A1-F6EECF244321}">
+                <p14:modId xmlns:p14="http://schemas.microsoft.com/office/powerpoint/2010/main" val="538034077"/>
+              </p:ext>
+            </p:extLst>
+          </p:nvPr>
+        </p:nvGraphicFramePr>
+        <p:xfrm>
+          <a:off x="6553200" y="0"/>
+          <a:ext cx="11734800" cy="3429000"/>
+        </p:xfrm>
+        <a:graphic>
+          <a:graphicData uri="http://schemas.openxmlformats.org/drawingml/2006/chart">
+            <c:chart xmlns:c="http://schemas.openxmlformats.org/drawingml/2006/chart" xmlns:r="http://schemas.openxmlformats.org/officeDocument/2006/relationships" r:id="rId2"/>
+          </a:graphicData>
+        </a:graphic>
+      </p:graphicFrame>
+    </p:spTree>
+    <p:extLst>
+      <p:ext uri="{BB962C8B-B14F-4D97-AF65-F5344CB8AC3E}">
+        <p14:creationId xmlns:p14="http://schemas.microsoft.com/office/powerpoint/2010/main" val="788040633"/>
+      </p:ext>
+    </p:extLst>
+  </p:cSld>
+  <p:clrMapOvr>
+    <a:masterClrMapping/>
+  </p:clrMapOvr>
+  <mc:AlternateContent xmlns:mc="http://schemas.openxmlformats.org/markup-compatibility/2006" xmlns:p14="http://schemas.microsoft.com/office/powerpoint/2010/main">
+    <mc:Choice Requires="p14">
+      <p:transition spd="slow" p14:dur="1600">
+        <p14:gallery dir="l"/>
+      </p:transition>
+    </mc:Choice>
+    <mc:Fallback xmlns="">
+      <p:transition spd="slow">
+        <p:fade/>
+      </p:transition>
+    </mc:Fallback>
+  </mc:AlternateContent>
+</p:sld>
+</file>
+
+<file path=ppt/slides/slide13.xml><?xml version="1.0" encoding="utf-8"?>
+<p:sld xmlns:a="http://schemas.openxmlformats.org/drawingml/2006/main" xmlns:r="http://schemas.openxmlformats.org/officeDocument/2006/relationships" xmlns:p="http://schemas.openxmlformats.org/presentationml/2006/main">
+  <p:cSld>
+    <p:spTree>
+      <p:nvGrpSpPr>
+        <p:cNvPr id="1" name=""/>
+        <p:cNvGrpSpPr/>
+        <p:nvPr/>
+      </p:nvGrpSpPr>
+      <p:grpSpPr>
+        <a:xfrm>
+          <a:off x="0" y="0"/>
+          <a:ext cx="0" cy="0"/>
+          <a:chOff x="0" y="0"/>
+          <a:chExt cx="0" cy="0"/>
+        </a:xfrm>
+      </p:grpSpPr>
+      <p:sp>
+        <p:nvSpPr>
+          <p:cNvPr id="2" name="TextBox 1"/>
+          <p:cNvSpPr txBox="1"/>
+          <p:nvPr/>
+        </p:nvSpPr>
+        <p:spPr>
+          <a:xfrm>
+            <a:off x="1295400" y="981224"/>
+            <a:ext cx="6858000" cy="923330"/>
+          </a:xfrm>
+          <a:prstGeom prst="rect">
+            <a:avLst/>
+          </a:prstGeom>
+          <a:noFill/>
+        </p:spPr>
+        <p:txBody>
+          <a:bodyPr wrap="square" rtlCol="0">
+            <a:spAutoFit/>
+          </a:bodyPr>
+          <a:lstStyle/>
+          <a:p>
+            <a:r>
+              <a:rPr lang="en-US" sz="5400" dirty="0" smtClean="0">
+                <a:solidFill>
+                  <a:srgbClr val="002060"/>
+                </a:solidFill>
+                <a:latin typeface="Elephant" panose="02020904090505020303" pitchFamily="18" charset="0"/>
+              </a:rPr>
+              <a:t>Challenges</a:t>
+            </a:r>
+            <a:r>
+              <a:rPr lang="en-US" sz="5400" dirty="0" smtClean="0">
+                <a:latin typeface="Elephant" panose="02020904090505020303" pitchFamily="18" charset="0"/>
+              </a:rPr>
+              <a:t> </a:t>
+            </a:r>
+            <a:endParaRPr lang="en-IN" sz="5400" dirty="0">
+              <a:latin typeface="Elephant" panose="02020904090505020303" pitchFamily="18" charset="0"/>
+            </a:endParaRPr>
+          </a:p>
+        </p:txBody>
+      </p:sp>
+      <p:sp>
+        <p:nvSpPr>
+          <p:cNvPr id="3" name="TextBox 2"/>
+          <p:cNvSpPr txBox="1"/>
+          <p:nvPr/>
+        </p:nvSpPr>
+        <p:spPr>
+          <a:xfrm>
+            <a:off x="1325880" y="2130921"/>
+            <a:ext cx="9753600" cy="2092881"/>
+          </a:xfrm>
+          <a:prstGeom prst="rect">
+            <a:avLst/>
+          </a:prstGeom>
+          <a:noFill/>
+        </p:spPr>
+        <p:txBody>
+          <a:bodyPr wrap="square" rtlCol="0">
+            <a:spAutoFit/>
+          </a:bodyPr>
+          <a:lstStyle/>
+          <a:p>
+            <a:pPr marL="285750" indent="-285750">
+              <a:buFont typeface="Arial" panose="020B0604020202020204" pitchFamily="34" charset="0"/>
+              <a:buChar char="•"/>
+            </a:pPr>
+            <a:r>
+              <a:rPr lang="en-US" sz="2800" dirty="0" smtClean="0">
+                <a:latin typeface="Cambria Math" panose="02040503050406030204" pitchFamily="18" charset="0"/>
+                <a:ea typeface="Cambria Math" panose="02040503050406030204" pitchFamily="18" charset="0"/>
+              </a:rPr>
+              <a:t>Find some difficulty while scrapping 1mg Data , Due to dynamic Site</a:t>
+            </a:r>
+          </a:p>
+          <a:p>
+            <a:pPr marL="285750" indent="-285750">
+              <a:buFont typeface="Arial" panose="020B0604020202020204" pitchFamily="34" charset="0"/>
+              <a:buChar char="•"/>
+            </a:pPr>
+            <a:r>
+              <a:rPr lang="en-US" sz="2800" dirty="0" smtClean="0">
+                <a:latin typeface="Cambria Math" panose="02040503050406030204" pitchFamily="18" charset="0"/>
+                <a:ea typeface="Cambria Math" panose="02040503050406030204" pitchFamily="18" charset="0"/>
+              </a:rPr>
+              <a:t>Complex HTML</a:t>
+            </a:r>
+          </a:p>
+          <a:p>
+            <a:pPr marL="285750" indent="-285750">
+              <a:buFont typeface="Arial" panose="020B0604020202020204" pitchFamily="34" charset="0"/>
+              <a:buChar char="•"/>
+            </a:pPr>
+            <a:r>
+              <a:rPr lang="en-US" sz="2800" dirty="0" smtClean="0">
+                <a:latin typeface="Cambria Math" panose="02040503050406030204" pitchFamily="18" charset="0"/>
+                <a:ea typeface="Cambria Math" panose="02040503050406030204" pitchFamily="18" charset="0"/>
+              </a:rPr>
+              <a:t>Time Management</a:t>
+            </a:r>
+          </a:p>
+          <a:p>
+            <a:endParaRPr lang="en-IN" dirty="0"/>
+          </a:p>
+        </p:txBody>
+      </p:sp>
+      <p:sp>
+        <p:nvSpPr>
+          <p:cNvPr id="4" name="TextBox 3"/>
+          <p:cNvSpPr txBox="1"/>
+          <p:nvPr/>
+        </p:nvSpPr>
+        <p:spPr>
+          <a:xfrm>
+            <a:off x="1447800" y="4533900"/>
+            <a:ext cx="5410200" cy="923330"/>
+          </a:xfrm>
+          <a:prstGeom prst="rect">
+            <a:avLst/>
+          </a:prstGeom>
+          <a:noFill/>
+        </p:spPr>
+        <p:txBody>
+          <a:bodyPr wrap="square" rtlCol="0">
+            <a:spAutoFit/>
+          </a:bodyPr>
+          <a:lstStyle/>
+          <a:p>
+            <a:r>
+              <a:rPr lang="en-US" sz="5400" b="1" dirty="0" smtClean="0">
+                <a:solidFill>
+                  <a:srgbClr val="002060"/>
+                </a:solidFill>
+                <a:latin typeface="Elephant" panose="02020904090505020303" pitchFamily="18" charset="0"/>
+              </a:rPr>
+              <a:t>Learnings</a:t>
+            </a:r>
+            <a:endParaRPr lang="en-IN" sz="4800" b="1" dirty="0">
+              <a:solidFill>
+                <a:srgbClr val="002060"/>
+              </a:solidFill>
+              <a:latin typeface="Elephant" panose="02020904090505020303" pitchFamily="18" charset="0"/>
+            </a:endParaRPr>
+          </a:p>
+        </p:txBody>
+      </p:sp>
+      <p:sp>
+        <p:nvSpPr>
+          <p:cNvPr id="5" name="TextBox 4"/>
+          <p:cNvSpPr txBox="1"/>
+          <p:nvPr/>
+        </p:nvSpPr>
+        <p:spPr>
+          <a:xfrm>
+            <a:off x="1259840" y="5778798"/>
+            <a:ext cx="11887200" cy="2062103"/>
+          </a:xfrm>
+          <a:prstGeom prst="rect">
+            <a:avLst/>
+          </a:prstGeom>
+          <a:noFill/>
+        </p:spPr>
+        <p:txBody>
+          <a:bodyPr wrap="square" rtlCol="0">
+            <a:spAutoFit/>
+          </a:bodyPr>
+          <a:lstStyle/>
+          <a:p>
+            <a:pPr marL="285750" indent="-285750">
+              <a:buFont typeface="Arial" panose="020B0604020202020204" pitchFamily="34" charset="0"/>
+              <a:buChar char="•"/>
+            </a:pPr>
+            <a:r>
+              <a:rPr lang="en-US" sz="3200" dirty="0" smtClean="0">
+                <a:latin typeface="Cambria Math" panose="02040503050406030204" pitchFamily="18" charset="0"/>
+                <a:ea typeface="Cambria Math" panose="02040503050406030204" pitchFamily="18" charset="0"/>
+              </a:rPr>
+              <a:t>Web Scraping </a:t>
+            </a:r>
+          </a:p>
+          <a:p>
+            <a:pPr marL="285750" indent="-285750">
+              <a:buFont typeface="Arial" panose="020B0604020202020204" pitchFamily="34" charset="0"/>
+              <a:buChar char="•"/>
+            </a:pPr>
+            <a:r>
+              <a:rPr lang="en-US" sz="3200" dirty="0" smtClean="0">
+                <a:latin typeface="Cambria Math" panose="02040503050406030204" pitchFamily="18" charset="0"/>
+                <a:ea typeface="Cambria Math" panose="02040503050406030204" pitchFamily="18" charset="0"/>
+              </a:rPr>
+              <a:t>Basic Understanding of HTML Script</a:t>
+            </a:r>
+          </a:p>
+          <a:p>
+            <a:pPr marL="285750" indent="-285750">
+              <a:buFont typeface="Arial" panose="020B0604020202020204" pitchFamily="34" charset="0"/>
+              <a:buChar char="•"/>
+            </a:pPr>
+            <a:r>
+              <a:rPr lang="en-US" sz="3200" dirty="0" smtClean="0">
+                <a:latin typeface="Cambria Math" panose="02040503050406030204" pitchFamily="18" charset="0"/>
+                <a:ea typeface="Cambria Math" panose="02040503050406030204" pitchFamily="18" charset="0"/>
+              </a:rPr>
+              <a:t>New Python Library like </a:t>
+            </a:r>
+            <a:r>
+              <a:rPr lang="en-US" sz="3200" dirty="0" err="1" smtClean="0">
+                <a:latin typeface="Cambria Math" panose="02040503050406030204" pitchFamily="18" charset="0"/>
+                <a:ea typeface="Cambria Math" panose="02040503050406030204" pitchFamily="18" charset="0"/>
+              </a:rPr>
+              <a:t>BeautifulSoup</a:t>
+            </a:r>
+            <a:endParaRPr lang="en-US" sz="3200" dirty="0" smtClean="0">
+              <a:latin typeface="Cambria Math" panose="02040503050406030204" pitchFamily="18" charset="0"/>
+              <a:ea typeface="Cambria Math" panose="02040503050406030204" pitchFamily="18" charset="0"/>
+            </a:endParaRPr>
+          </a:p>
+          <a:p>
+            <a:pPr marL="285750" indent="-285750">
+              <a:buFont typeface="Arial" panose="020B0604020202020204" pitchFamily="34" charset="0"/>
+              <a:buChar char="•"/>
+            </a:pPr>
+            <a:r>
+              <a:rPr lang="en-US" sz="3200" dirty="0" smtClean="0">
+                <a:latin typeface="Cambria Math" panose="02040503050406030204" pitchFamily="18" charset="0"/>
+                <a:ea typeface="Cambria Math" panose="02040503050406030204" pitchFamily="18" charset="0"/>
+              </a:rPr>
+              <a:t>Effective Teamwork </a:t>
+            </a:r>
+            <a:endParaRPr lang="en-IN" sz="3200" dirty="0">
+              <a:latin typeface="Cambria Math" panose="02040503050406030204" pitchFamily="18" charset="0"/>
+              <a:ea typeface="Cambria Math" panose="02040503050406030204" pitchFamily="18" charset="0"/>
+            </a:endParaRPr>
+          </a:p>
+        </p:txBody>
+      </p:sp>
+    </p:spTree>
+    <p:extLst>
+      <p:ext uri="{BB962C8B-B14F-4D97-AF65-F5344CB8AC3E}">
+        <p14:creationId xmlns:p14="http://schemas.microsoft.com/office/powerpoint/2010/main" val="3391441746"/>
+      </p:ext>
+    </p:extLst>
+  </p:cSld>
+  <p:clrMapOvr>
+    <a:masterClrMapping/>
+  </p:clrMapOvr>
+  <mc:AlternateContent xmlns:mc="http://schemas.openxmlformats.org/markup-compatibility/2006">
+    <mc:Choice xmlns:p14="http://schemas.microsoft.com/office/powerpoint/2010/main" Requires="p14">
+      <p:transition spd="slow" p14:dur="1600">
+        <p14:gallery dir="l"/>
+      </p:transition>
+    </mc:Choice>
+    <mc:Fallback>
+      <p:transition spd="slow">
+        <p:fade/>
+      </p:transition>
+    </mc:Fallback>
+  </mc:AlternateContent>
+</p:sld>
+</file>
+
+<file path=ppt/slides/slide14.xml><?xml version="1.0" encoding="utf-8"?>
 <p:sld xmlns:a="http://schemas.openxmlformats.org/drawingml/2006/main" xmlns:r="http://schemas.openxmlformats.org/officeDocument/2006/relationships" xmlns:p="http://schemas.openxmlformats.org/presentationml/2006/main">
   <p:cSld>
     <p:bg>
@@ -14548,7 +16463,7 @@
               <a:alphaModFix amt="43999"/>
               <a:extLst>
                 <a:ext uri="{96DAC541-7B7A-43D3-8B79-37D633B846F1}">
-                  <asvg:svgBlip xmlns="" xmlns:asvg="http://schemas.microsoft.com/office/drawing/2016/SVG/main" r:embed="rId3"/>
+                  <asvg:svgBlip xmlns:asvg="http://schemas.microsoft.com/office/drawing/2016/SVG/main" xmlns="" r:embed="rId3"/>
                 </a:ext>
               </a:extLst>
             </a:blip>
@@ -14861,7 +16776,7 @@
         </p:nvSpPr>
         <p:spPr>
           <a:xfrm>
-            <a:off x="3962400" y="3086100"/>
+            <a:off x="1732280" y="2857500"/>
             <a:ext cx="9372600" cy="5386090"/>
           </a:xfrm>
           <a:prstGeom prst="rect">
@@ -15186,7 +17101,7 @@
         <p:spPr>
           <a:xfrm>
             <a:off x="0" y="800100"/>
-            <a:ext cx="12649200" cy="2887970"/>
+            <a:ext cx="12649200" cy="2598981"/>
           </a:xfrm>
           <a:prstGeom prst="rect">
             <a:avLst/>
@@ -15210,21 +17125,39 @@
               <a:rPr lang="en-IN" sz="7200" dirty="0" smtClean="0">
                 <a:latin typeface="Elephant" panose="02020904090505020303" pitchFamily="18" charset="0"/>
               </a:rPr>
-              <a:t>  Objectives </a:t>
+              <a:t>  </a:t>
+            </a:r>
+            <a:r>
+              <a:rPr lang="en-IN" sz="7200" dirty="0" smtClean="0">
+                <a:solidFill>
+                  <a:srgbClr val="002060"/>
+                </a:solidFill>
+                <a:latin typeface="Elephant" panose="02020904090505020303" pitchFamily="18" charset="0"/>
+              </a:rPr>
+              <a:t>Objectives </a:t>
             </a:r>
             <a:r>
               <a:rPr lang="en-IN" sz="7200" dirty="0">
+                <a:solidFill>
+                  <a:srgbClr val="002060"/>
+                </a:solidFill>
                 <a:latin typeface="Elephant" panose="02020904090505020303" pitchFamily="18" charset="0"/>
               </a:rPr>
               <a:t>of this </a:t>
             </a:r>
             <a:r>
               <a:rPr lang="en-IN" sz="7200" dirty="0" smtClean="0">
+                <a:solidFill>
+                  <a:srgbClr val="002060"/>
+                </a:solidFill>
                 <a:latin typeface="Elephant" panose="02020904090505020303" pitchFamily="18" charset="0"/>
               </a:rPr>
               <a:t>project</a:t>
             </a:r>
             <a:endParaRPr lang="en-IN" sz="7200" dirty="0">
+              <a:solidFill>
+                <a:srgbClr val="002060"/>
+              </a:solidFill>
               <a:latin typeface="Elephant" panose="02020904090505020303" pitchFamily="18" charset="0"/>
             </a:endParaRPr>
           </a:p>
@@ -15341,7 +17274,7 @@
               <a:alphaModFix amt="43999"/>
               <a:extLst>
                 <a:ext uri="{96DAC541-7B7A-43D3-8B79-37D633B846F1}">
-                  <asvg:svgBlip xmlns="" xmlns:asvg="http://schemas.microsoft.com/office/drawing/2016/SVG/main" r:embed="rId3"/>
+                  <asvg:svgBlip xmlns:asvg="http://schemas.microsoft.com/office/drawing/2016/SVG/main" xmlns="" r:embed="rId3"/>
                 </a:ext>
               </a:extLst>
             </a:blip>
@@ -15748,8 +17681,8 @@
         </p:nvSpPr>
         <p:spPr>
           <a:xfrm>
-            <a:off x="2590800" y="342900"/>
-            <a:ext cx="7848600" cy="990600"/>
+            <a:off x="2590800" y="419100"/>
+            <a:ext cx="6781800" cy="914400"/>
           </a:xfrm>
           <a:prstGeom prst="roundRect">
             <a:avLst/>
@@ -15794,7 +17727,37 @@
                 <a:latin typeface="Cambria Math" panose="02040503050406030204" pitchFamily="18" charset="0"/>
                 <a:ea typeface="Cambria Math" panose="02040503050406030204" pitchFamily="18" charset="0"/>
               </a:rPr>
-              <a:t>Top 4 Medicines (Rating wise)</a:t>
+              <a:t>Top 4 </a:t>
+            </a:r>
+            <a:r>
+              <a:rPr lang="en-GB" sz="3600" b="1" dirty="0" smtClean="0">
+                <a:solidFill>
+                  <a:schemeClr val="bg1"/>
+                </a:solidFill>
+                <a:latin typeface="Cambria Math" panose="02040503050406030204" pitchFamily="18" charset="0"/>
+                <a:ea typeface="Cambria Math" panose="02040503050406030204" pitchFamily="18" charset="0"/>
+              </a:rPr>
+              <a:t>Brands </a:t>
+            </a:r>
+            <a:r>
+              <a:rPr lang="en-GB" sz="3600" b="1" dirty="0">
+                <a:solidFill>
+                  <a:schemeClr val="bg1"/>
+                </a:solidFill>
+                <a:latin typeface="Cambria Math" panose="02040503050406030204" pitchFamily="18" charset="0"/>
+                <a:ea typeface="Cambria Math" panose="02040503050406030204" pitchFamily="18" charset="0"/>
+              </a:rPr>
+              <a:t>(</a:t>
+            </a:r>
+            <a:r>
+              <a:rPr lang="en-GB" sz="3600" b="1" dirty="0" smtClean="0">
+                <a:solidFill>
+                  <a:schemeClr val="bg1"/>
+                </a:solidFill>
+                <a:latin typeface="Cambria Math" panose="02040503050406030204" pitchFamily="18" charset="0"/>
+                <a:ea typeface="Cambria Math" panose="02040503050406030204" pitchFamily="18" charset="0"/>
+              </a:rPr>
+              <a:t>Rating &gt; 4)</a:t>
             </a:r>
             <a:endParaRPr lang="en-US" sz="3600" b="1" dirty="0">
               <a:solidFill>
@@ -15811,7 +17774,7 @@
           <p:cNvPr id="6" name="Chart 5">
             <a:extLst>
               <a:ext uri="{FF2B5EF4-FFF2-40B4-BE49-F238E27FC236}">
-                <a16:creationId xmlns:a16="http://schemas.microsoft.com/office/drawing/2014/main" xmlns="" id="{00000000-0008-0000-0200-000007000000}"/>
+                <a16:creationId xmlns="" xmlns:a16="http://schemas.microsoft.com/office/drawing/2014/main" id="{00000000-0008-0000-0200-000007000000}"/>
               </a:ext>
             </a:extLst>
           </p:cNvPr>
@@ -15821,13 +17784,13 @@
           <p:nvPr>
             <p:extLst>
               <p:ext uri="{D42A27DB-BD31-4B8C-83A1-F6EECF244321}">
-                <p14:modId xmlns:p14="http://schemas.microsoft.com/office/powerpoint/2010/main" val="2025999645"/>
+                <p14:modId xmlns:p14="http://schemas.microsoft.com/office/powerpoint/2010/main" val="1152795994"/>
               </p:ext>
             </p:extLst>
           </p:nvPr>
         </p:nvGraphicFramePr>
         <p:xfrm>
-          <a:off x="1447800" y="1852466"/>
+          <a:off x="1600200" y="2198425"/>
           <a:ext cx="11125200" cy="5181600"/>
         </p:xfrm>
         <a:graphic>
@@ -15940,18 +17903,25 @@
               <a:t> </a:t>
             </a:r>
             <a:r>
-              <a:rPr lang="en-IN" sz="2800" dirty="0" err="1">
+              <a:rPr lang="en-IN" sz="2800" dirty="0" err="1" smtClean="0">
                 <a:latin typeface="Cambria Math" panose="02040503050406030204" pitchFamily="18" charset="0"/>
                 <a:ea typeface="Cambria Math" panose="02040503050406030204" pitchFamily="18" charset="0"/>
               </a:rPr>
               <a:t>Indai</a:t>
             </a:r>
             <a:r>
+              <a:rPr lang="en-IN" sz="2800" dirty="0" smtClean="0">
+                <a:latin typeface="Cambria Math" panose="02040503050406030204" pitchFamily="18" charset="0"/>
+                <a:ea typeface="Cambria Math" panose="02040503050406030204" pitchFamily="18" charset="0"/>
+              </a:rPr>
+              <a:t> </a:t>
+            </a:r>
+            <a:r>
               <a:rPr lang="en-IN" sz="2800" dirty="0">
                 <a:latin typeface="Cambria Math" panose="02040503050406030204" pitchFamily="18" charset="0"/>
                 <a:ea typeface="Cambria Math" panose="02040503050406030204" pitchFamily="18" charset="0"/>
               </a:rPr>
-              <a:t> Pvt Ltd</a:t>
+              <a:t>Pvt Ltd</a:t>
             </a:r>
           </a:p>
         </p:txBody>
@@ -16062,66 +18032,13 @@
       </p:sp>
       <p:sp>
         <p:nvSpPr>
-          <p:cNvPr id="15" name="Freeform 15"/>
-          <p:cNvSpPr/>
-          <p:nvPr/>
-        </p:nvSpPr>
-        <p:spPr>
-          <a:xfrm rot="1704061" flipH="1" flipV="1">
-            <a:off x="13824431" y="5385399"/>
-            <a:ext cx="4991149" cy="7541571"/>
-          </a:xfrm>
-          <a:custGeom>
-            <a:avLst/>
-            <a:gdLst/>
-            <a:ahLst/>
-            <a:cxnLst/>
-            <a:rect l="l" t="t" r="r" b="b"/>
-            <a:pathLst>
-              <a:path w="4991149" h="7541571">
-                <a:moveTo>
-                  <a:pt x="4991149" y="7541572"/>
-                </a:moveTo>
-                <a:lnTo>
-                  <a:pt x="0" y="7541572"/>
-                </a:lnTo>
-                <a:lnTo>
-                  <a:pt x="0" y="0"/>
-                </a:lnTo>
-                <a:lnTo>
-                  <a:pt x="4991149" y="0"/>
-                </a:lnTo>
-                <a:lnTo>
-                  <a:pt x="4991149" y="7541572"/>
-                </a:lnTo>
-                <a:close/>
-              </a:path>
-            </a:pathLst>
-          </a:custGeom>
-          <a:blipFill>
-            <a:blip r:embed="rId2">
-              <a:alphaModFix amt="43999"/>
-              <a:extLst>
-                <a:ext uri="{96DAC541-7B7A-43D3-8B79-37D633B846F1}">
-                  <asvg:svgBlip xmlns="" xmlns:asvg="http://schemas.microsoft.com/office/drawing/2016/SVG/main" r:embed="rId5"/>
-                </a:ext>
-              </a:extLst>
-            </a:blip>
-            <a:stretch>
-              <a:fillRect/>
-            </a:stretch>
-          </a:blipFill>
-        </p:spPr>
-      </p:sp>
-      <p:sp>
-        <p:nvSpPr>
           <p:cNvPr id="17" name="Rounded Rectangle 16"/>
           <p:cNvSpPr/>
           <p:nvPr/>
         </p:nvSpPr>
         <p:spPr>
           <a:xfrm>
-            <a:off x="3581400" y="495300"/>
+            <a:off x="2022647" y="419100"/>
             <a:ext cx="8001000" cy="1066800"/>
           </a:xfrm>
           <a:prstGeom prst="roundRect">
@@ -16219,7 +18136,7 @@
           <p:cNvPr id="18" name="Chart 17">
             <a:extLst>
               <a:ext uri="{FF2B5EF4-FFF2-40B4-BE49-F238E27FC236}">
-                <a16:creationId xmlns:a16="http://schemas.microsoft.com/office/drawing/2014/main" xmlns="" id="{00000000-0008-0000-0200-000003000000}"/>
+                <a16:creationId xmlns="" xmlns:a16="http://schemas.microsoft.com/office/drawing/2014/main" id="{00000000-0008-0000-0200-000003000000}"/>
               </a:ext>
             </a:extLst>
           </p:cNvPr>
@@ -16240,7 +18157,7 @@
         </p:xfrm>
         <a:graphic>
           <a:graphicData uri="http://schemas.openxmlformats.org/drawingml/2006/chart">
-            <c:chart xmlns:c="http://schemas.openxmlformats.org/drawingml/2006/chart" xmlns:r="http://schemas.openxmlformats.org/officeDocument/2006/relationships" r:id="rId6"/>
+            <c:chart xmlns:c="http://schemas.openxmlformats.org/drawingml/2006/chart" xmlns:r="http://schemas.openxmlformats.org/officeDocument/2006/relationships" r:id="rId2"/>
           </a:graphicData>
         </a:graphic>
       </p:graphicFrame>
@@ -16271,7 +18188,7 @@
               <a:buChar char="•"/>
             </a:pPr>
             <a:r>
-              <a:rPr lang="en-US" sz="2800" dirty="0">
+              <a:rPr lang="en-US" sz="2800" dirty="0" smtClean="0">
                 <a:latin typeface="Cambria Math" panose="02040503050406030204" pitchFamily="18" charset="0"/>
                 <a:ea typeface="Cambria Math" panose="02040503050406030204" pitchFamily="18" charset="0"/>
               </a:rPr>
@@ -16341,7 +18258,7 @@
           <p:cNvPr id="2" name="Chart 1">
             <a:extLst>
               <a:ext uri="{FF2B5EF4-FFF2-40B4-BE49-F238E27FC236}">
-                <a16:creationId xmlns:a16="http://schemas.microsoft.com/office/drawing/2014/main" xmlns="" id="{00000000-0008-0000-0200-000004000000}"/>
+                <a16:creationId xmlns="" xmlns:a16="http://schemas.microsoft.com/office/drawing/2014/main" id="{00000000-0008-0000-0200-000004000000}"/>
               </a:ext>
             </a:extLst>
           </p:cNvPr>
@@ -16351,7 +18268,7 @@
           <p:nvPr>
             <p:extLst>
               <p:ext uri="{D42A27DB-BD31-4B8C-83A1-F6EECF244321}">
-                <p14:modId xmlns:p14="http://schemas.microsoft.com/office/powerpoint/2010/main" val="167810839"/>
+                <p14:modId xmlns:p14="http://schemas.microsoft.com/office/powerpoint/2010/main" val="17190614"/>
               </p:ext>
             </p:extLst>
           </p:nvPr>
@@ -16362,7 +18279,7 @@
         </p:xfrm>
         <a:graphic>
           <a:graphicData uri="http://schemas.openxmlformats.org/drawingml/2006/chart">
-            <c:chart xmlns:c="http://schemas.openxmlformats.org/drawingml/2006/chart" xmlns:r="http://schemas.openxmlformats.org/officeDocument/2006/relationships" r:id="rId2"/>
+            <c:chart xmlns:c="http://schemas.openxmlformats.org/drawingml/2006/chart" xmlns:r="http://schemas.openxmlformats.org/officeDocument/2006/relationships" r:id="rId3"/>
           </a:graphicData>
         </a:graphic>
       </p:graphicFrame>
@@ -16453,7 +18370,7 @@
         <p:spPr>
           <a:xfrm>
             <a:off x="381000" y="2019300"/>
-            <a:ext cx="8915400" cy="6124754"/>
+            <a:ext cx="8915400" cy="5693866"/>
           </a:xfrm>
           <a:prstGeom prst="rect">
             <a:avLst/>
@@ -16557,7 +18474,21 @@
                 <a:latin typeface="Cambria Math" panose="02040503050406030204" pitchFamily="18" charset="0"/>
                 <a:ea typeface="Cambria Math" panose="02040503050406030204" pitchFamily="18" charset="0"/>
               </a:rPr>
-              <a:t> &amp; Co are the leading brands with the highest number of medicines rated above 4 points. This suggests that these brands consistently deliver effective and reliable medications, making them popular choices among consumers. It also demonstrates their focus on quality and customer satisfaction.</a:t>
+              <a:t> &amp; Co are the leading </a:t>
+            </a:r>
+            <a:r>
+              <a:rPr lang="en-US" sz="2800" dirty="0" smtClean="0">
+                <a:latin typeface="Cambria Math" panose="02040503050406030204" pitchFamily="18" charset="0"/>
+                <a:ea typeface="Cambria Math" panose="02040503050406030204" pitchFamily="18" charset="0"/>
+              </a:rPr>
+              <a:t>brands. </a:t>
+            </a:r>
+            <a:r>
+              <a:rPr lang="en-US" sz="2800" dirty="0">
+                <a:latin typeface="Cambria Math" panose="02040503050406030204" pitchFamily="18" charset="0"/>
+                <a:ea typeface="Cambria Math" panose="02040503050406030204" pitchFamily="18" charset="0"/>
+              </a:rPr>
+              <a:t>This suggests that these brands consistently deliver effective and reliable medications , making them popular choices among consumers. It also demonstrates their focus on quality and customer satisfaction.</a:t>
             </a:r>
             <a:endParaRPr lang="en-IN" sz="2800" dirty="0">
               <a:latin typeface="Cambria Math" panose="02040503050406030204" pitchFamily="18" charset="0"/>
@@ -16809,7 +18740,7 @@
           <p:cNvPr id="6" name="Chart 5">
             <a:extLst>
               <a:ext uri="{FF2B5EF4-FFF2-40B4-BE49-F238E27FC236}">
-                <a16:creationId xmlns:a16="http://schemas.microsoft.com/office/drawing/2014/main" xmlns="" id="{00000000-0008-0000-0200-000005000000}"/>
+                <a16:creationId xmlns="" xmlns:a16="http://schemas.microsoft.com/office/drawing/2014/main" id="{00000000-0008-0000-0200-000005000000}"/>
               </a:ext>
             </a:extLst>
           </p:cNvPr>
@@ -16843,7 +18774,7 @@
         <p:spPr>
           <a:xfrm>
             <a:off x="609600" y="7886700"/>
-            <a:ext cx="14859000" cy="2246769"/>
+            <a:ext cx="14859000" cy="2677656"/>
           </a:xfrm>
           <a:prstGeom prst="rect">
             <a:avLst/>
@@ -16865,7 +18796,7 @@
                 <a:latin typeface="Cambria Math" panose="02040503050406030204" pitchFamily="18" charset="0"/>
                 <a:ea typeface="Cambria Math" panose="02040503050406030204" pitchFamily="18" charset="0"/>
               </a:rPr>
-              <a:t>Tata1mg offers a wide range of products for digestion and skin, showing their understanding of customer needs in these areas</a:t>
+              <a:t>Prices differ for medicines in various areas, affecting how affordable and accessible they are for people</a:t>
             </a:r>
             <a:r>
               <a:rPr lang="en-US" sz="2800" dirty="0" smtClean="0">
@@ -16876,30 +18807,33 @@
             </a:r>
           </a:p>
           <a:p>
-            <a:endParaRPr lang="en-US" sz="2800" dirty="0" smtClean="0">
-              <a:latin typeface="Cambria Math" panose="02040503050406030204" pitchFamily="18" charset="0"/>
-              <a:ea typeface="Cambria Math" panose="02040503050406030204" pitchFamily="18" charset="0"/>
-            </a:endParaRPr>
-          </a:p>
-          <a:p>
             <a:pPr marL="457200" indent="-457200">
               <a:buFont typeface="Arial" panose="020B0604020202020204" pitchFamily="34" charset="0"/>
               <a:buChar char="•"/>
             </a:pPr>
-            <a:r>
-              <a:rPr lang="en-US" sz="2800" dirty="0" smtClean="0">
-                <a:latin typeface="Cambria Math" panose="02040503050406030204" pitchFamily="18" charset="0"/>
-                <a:ea typeface="Cambria Math" panose="02040503050406030204" pitchFamily="18" charset="0"/>
-              </a:rPr>
-              <a:t>Tata1mg </a:t>
-            </a:r>
+            <a:endParaRPr lang="en-US" sz="2800" dirty="0">
+              <a:latin typeface="Cambria Math" panose="02040503050406030204" pitchFamily="18" charset="0"/>
+              <a:ea typeface="Cambria Math" panose="02040503050406030204" pitchFamily="18" charset="0"/>
+            </a:endParaRPr>
+          </a:p>
+          <a:p>
+            <a:pPr marL="457200" indent="-457200">
+              <a:buFont typeface="Arial" panose="020B0604020202020204" pitchFamily="34" charset="0"/>
+              <a:buChar char="•"/>
+            </a:pPr>
             <a:r>
               <a:rPr lang="en-US" sz="2800" dirty="0">
                 <a:latin typeface="Cambria Math" panose="02040503050406030204" pitchFamily="18" charset="0"/>
                 <a:ea typeface="Cambria Math" panose="02040503050406030204" pitchFamily="18" charset="0"/>
               </a:rPr>
-              <a:t>excels in offering diverse products, prioritizing customer satisfaction, and addressing crucial health concerns.</a:t>
-            </a:r>
+              <a:t>Factors like market competition, health insurance coverage, research investments, and production costs influence these price variations.</a:t>
+            </a:r>
+          </a:p>
+          <a:p>
+            <a:endParaRPr lang="en-US" sz="2800" dirty="0">
+              <a:latin typeface="Cambria Math" panose="02040503050406030204" pitchFamily="18" charset="0"/>
+              <a:ea typeface="Cambria Math" panose="02040503050406030204" pitchFamily="18" charset="0"/>
+            </a:endParaRPr>
           </a:p>
         </p:txBody>
       </p:sp>
